--- a/docs/3-Reports/_IA and new thecnology effect on people and its effects in large place..pptx
+++ b/docs/3-Reports/_IA and new thecnology effect on people and its effects in large place..pptx
@@ -806,7 +806,7 @@
   <p:cSld>
     <p:spTree>
       <p:nvGrpSpPr>
-        <p:cNvPr id="406" name="Shape 406"/>
+        <p:cNvPr id="404" name="Shape 404"/>
         <p:cNvGrpSpPr/>
         <p:nvPr/>
       </p:nvGrpSpPr>
@@ -820,7 +820,7 @@
       </p:grpSpPr>
       <p:sp>
         <p:nvSpPr>
-          <p:cNvPr id="407" name="Google Shape;407;g356a13e2e1c_0_41:notes"/>
+          <p:cNvPr id="405" name="Google Shape;405;g356a13e2e1c_0_41:notes"/>
           <p:cNvSpPr/>
           <p:nvPr>
             <p:ph idx="2" type="sldImg"/>
@@ -855,7 +855,7 @@
       </p:sp>
       <p:sp>
         <p:nvSpPr>
-          <p:cNvPr id="408" name="Google Shape;408;g356a13e2e1c_0_41:notes"/>
+          <p:cNvPr id="406" name="Google Shape;406;g356a13e2e1c_0_41:notes"/>
           <p:cNvSpPr txBox="1"/>
           <p:nvPr>
             <p:ph idx="1" type="body"/>
@@ -1004,7 +1004,7 @@
   <p:cSld>
     <p:spTree>
       <p:nvGrpSpPr>
-        <p:cNvPr id="364" name="Shape 364"/>
+        <p:cNvPr id="363" name="Shape 363"/>
         <p:cNvGrpSpPr/>
         <p:nvPr/>
       </p:nvGrpSpPr>
@@ -1018,7 +1018,7 @@
       </p:grpSpPr>
       <p:sp>
         <p:nvSpPr>
-          <p:cNvPr id="365" name="Google Shape;365;g356a13e2e1c_0_0:notes"/>
+          <p:cNvPr id="364" name="Google Shape;364;g356a13e2e1c_0_0:notes"/>
           <p:cNvSpPr/>
           <p:nvPr>
             <p:ph idx="2" type="sldImg"/>
@@ -1053,7 +1053,7 @@
       </p:sp>
       <p:sp>
         <p:nvSpPr>
-          <p:cNvPr id="366" name="Google Shape;366;g356a13e2e1c_0_0:notes"/>
+          <p:cNvPr id="365" name="Google Shape;365;g356a13e2e1c_0_0:notes"/>
           <p:cNvSpPr txBox="1"/>
           <p:nvPr>
             <p:ph idx="1" type="body"/>
@@ -1103,7 +1103,7 @@
   <p:cSld>
     <p:spTree>
       <p:nvGrpSpPr>
-        <p:cNvPr id="370" name="Shape 370"/>
+        <p:cNvPr id="369" name="Shape 369"/>
         <p:cNvGrpSpPr/>
         <p:nvPr/>
       </p:nvGrpSpPr>
@@ -1117,7 +1117,7 @@
       </p:grpSpPr>
       <p:sp>
         <p:nvSpPr>
-          <p:cNvPr id="371" name="Google Shape;371;g356a13e2e1c_0_66:notes"/>
+          <p:cNvPr id="370" name="Google Shape;370;g356a13e2e1c_0_77:notes"/>
           <p:cNvSpPr/>
           <p:nvPr>
             <p:ph idx="2" type="sldImg"/>
@@ -1152,7 +1152,7 @@
       </p:sp>
       <p:sp>
         <p:nvSpPr>
-          <p:cNvPr id="372" name="Google Shape;372;g356a13e2e1c_0_66:notes"/>
+          <p:cNvPr id="371" name="Google Shape;371;g356a13e2e1c_0_77:notes"/>
           <p:cNvSpPr txBox="1"/>
           <p:nvPr>
             <p:ph idx="1" type="body"/>
@@ -1202,7 +1202,7 @@
   <p:cSld>
     <p:spTree>
       <p:nvGrpSpPr>
-        <p:cNvPr id="376" name="Shape 376"/>
+        <p:cNvPr id="375" name="Shape 375"/>
         <p:cNvGrpSpPr/>
         <p:nvPr/>
       </p:nvGrpSpPr>
@@ -1216,7 +1216,7 @@
       </p:grpSpPr>
       <p:sp>
         <p:nvSpPr>
-          <p:cNvPr id="377" name="Google Shape;377;g356a13e2e1c_0_77:notes"/>
+          <p:cNvPr id="376" name="Google Shape;376;g356a13e2e1c_0_22:notes"/>
           <p:cNvSpPr/>
           <p:nvPr>
             <p:ph idx="2" type="sldImg"/>
@@ -1251,7 +1251,7 @@
       </p:sp>
       <p:sp>
         <p:nvSpPr>
-          <p:cNvPr id="378" name="Google Shape;378;g356a13e2e1c_0_77:notes"/>
+          <p:cNvPr id="377" name="Google Shape;377;g356a13e2e1c_0_22:notes"/>
           <p:cNvSpPr txBox="1"/>
           <p:nvPr>
             <p:ph idx="1" type="body"/>
@@ -1301,7 +1301,7 @@
   <p:cSld>
     <p:spTree>
       <p:nvGrpSpPr>
-        <p:cNvPr id="382" name="Shape 382"/>
+        <p:cNvPr id="381" name="Shape 381"/>
         <p:cNvGrpSpPr/>
         <p:nvPr/>
       </p:nvGrpSpPr>
@@ -1315,7 +1315,7 @@
       </p:grpSpPr>
       <p:sp>
         <p:nvSpPr>
-          <p:cNvPr id="383" name="Google Shape;383;g356a13e2e1c_0_22:notes"/>
+          <p:cNvPr id="382" name="Google Shape;382;g3505dcb9688_0_0:notes"/>
           <p:cNvSpPr/>
           <p:nvPr>
             <p:ph idx="2" type="sldImg"/>
@@ -1350,7 +1350,7 @@
       </p:sp>
       <p:sp>
         <p:nvSpPr>
-          <p:cNvPr id="384" name="Google Shape;384;g356a13e2e1c_0_22:notes"/>
+          <p:cNvPr id="383" name="Google Shape;383;g3505dcb9688_0_0:notes"/>
           <p:cNvSpPr txBox="1"/>
           <p:nvPr>
             <p:ph idx="1" type="body"/>
@@ -1400,7 +1400,7 @@
   <p:cSld>
     <p:spTree>
       <p:nvGrpSpPr>
-        <p:cNvPr id="388" name="Shape 388"/>
+        <p:cNvPr id="386" name="Shape 386"/>
         <p:cNvGrpSpPr/>
         <p:nvPr/>
       </p:nvGrpSpPr>
@@ -1414,7 +1414,7 @@
       </p:grpSpPr>
       <p:sp>
         <p:nvSpPr>
-          <p:cNvPr id="389" name="Google Shape;389;g22b5859bcbd_0_17585:notes"/>
+          <p:cNvPr id="387" name="Google Shape;387;g22b5859bcbd_0_17585:notes"/>
           <p:cNvSpPr/>
           <p:nvPr>
             <p:ph idx="2" type="sldImg"/>
@@ -1449,7 +1449,7 @@
       </p:sp>
       <p:sp>
         <p:nvSpPr>
-          <p:cNvPr id="390" name="Google Shape;390;g22b5859bcbd_0_17585:notes"/>
+          <p:cNvPr id="388" name="Google Shape;388;g22b5859bcbd_0_17585:notes"/>
           <p:cNvSpPr txBox="1"/>
           <p:nvPr>
             <p:ph idx="1" type="body"/>
@@ -1499,7 +1499,7 @@
   <p:cSld>
     <p:spTree>
       <p:nvGrpSpPr>
-        <p:cNvPr id="394" name="Shape 394"/>
+        <p:cNvPr id="392" name="Shape 392"/>
         <p:cNvGrpSpPr/>
         <p:nvPr/>
       </p:nvGrpSpPr>
@@ -1513,7 +1513,7 @@
       </p:grpSpPr>
       <p:sp>
         <p:nvSpPr>
-          <p:cNvPr id="395" name="Google Shape;395;g356a13e2e1c_0_46:notes"/>
+          <p:cNvPr id="393" name="Google Shape;393;g356a13e2e1c_0_46:notes"/>
           <p:cNvSpPr/>
           <p:nvPr>
             <p:ph idx="2" type="sldImg"/>
@@ -1548,7 +1548,7 @@
       </p:sp>
       <p:sp>
         <p:nvSpPr>
-          <p:cNvPr id="396" name="Google Shape;396;g356a13e2e1c_0_46:notes"/>
+          <p:cNvPr id="394" name="Google Shape;394;g356a13e2e1c_0_46:notes"/>
           <p:cNvSpPr txBox="1"/>
           <p:nvPr>
             <p:ph idx="1" type="body"/>
@@ -1598,7 +1598,7 @@
   <p:cSld>
     <p:spTree>
       <p:nvGrpSpPr>
-        <p:cNvPr id="400" name="Shape 400"/>
+        <p:cNvPr id="398" name="Shape 398"/>
         <p:cNvGrpSpPr/>
         <p:nvPr/>
       </p:nvGrpSpPr>
@@ -1612,7 +1612,7 @@
       </p:grpSpPr>
       <p:sp>
         <p:nvSpPr>
-          <p:cNvPr id="401" name="Google Shape;401;g356a13e2e1c_0_52:notes"/>
+          <p:cNvPr id="399" name="Google Shape;399;g356a13e2e1c_0_52:notes"/>
           <p:cNvSpPr/>
           <p:nvPr>
             <p:ph idx="2" type="sldImg"/>
@@ -1647,7 +1647,7 @@
       </p:sp>
       <p:sp>
         <p:nvSpPr>
-          <p:cNvPr id="402" name="Google Shape;402;g356a13e2e1c_0_52:notes"/>
+          <p:cNvPr id="400" name="Google Shape;400;g356a13e2e1c_0_52:notes"/>
           <p:cNvSpPr txBox="1"/>
           <p:nvPr>
             <p:ph idx="1" type="body"/>
@@ -45864,7 +45864,7 @@
         </p:nvSpPr>
         <p:spPr>
           <a:xfrm>
-            <a:off x="524625" y="1007000"/>
+            <a:off x="563175" y="1037825"/>
             <a:ext cx="6026100" cy="2672400"/>
           </a:xfrm>
           <a:prstGeom prst="rect">
@@ -45974,7 +45974,7 @@
   <p:cSld>
     <p:spTree>
       <p:nvGrpSpPr>
-        <p:cNvPr id="409" name="Shape 409"/>
+        <p:cNvPr id="407" name="Shape 407"/>
         <p:cNvGrpSpPr/>
         <p:nvPr/>
       </p:nvGrpSpPr>
@@ -45988,7 +45988,7 @@
       </p:grpSpPr>
       <p:sp>
         <p:nvSpPr>
-          <p:cNvPr id="410" name="Google Shape;410;p34"/>
+          <p:cNvPr id="408" name="Google Shape;408;p34"/>
           <p:cNvSpPr txBox="1"/>
           <p:nvPr>
             <p:ph type="title"/>
@@ -46032,7 +46032,7 @@
       </p:sp>
       <p:sp>
         <p:nvSpPr>
-          <p:cNvPr id="411" name="Google Shape;411;p34"/>
+          <p:cNvPr id="409" name="Google Shape;409;p34"/>
           <p:cNvSpPr txBox="1"/>
           <p:nvPr/>
         </p:nvSpPr>
@@ -46314,9 +46314,62 @@
           </a:ln>
         </p:spPr>
       </p:pic>
+    </p:spTree>
+  </p:cSld>
+  <p:clrMapOvr>
+    <a:masterClrMapping/>
+  </p:clrMapOvr>
+</p:sld>
+</file>
+
+<file path=ppt/slides/slide3.xml><?xml version="1.0" encoding="utf-8"?>
+<p:sld xmlns:a="http://schemas.openxmlformats.org/drawingml/2006/main" xmlns:r="http://schemas.openxmlformats.org/officeDocument/2006/relationships" xmlns:mc="http://schemas.openxmlformats.org/markup-compatibility/2006" xmlns:mv="urn:schemas-microsoft-com:mac:vml" xmlns:p="http://schemas.openxmlformats.org/presentationml/2006/main" xmlns:c="http://schemas.openxmlformats.org/drawingml/2006/chart" xmlns:dgm="http://schemas.openxmlformats.org/drawingml/2006/diagram" xmlns:o="urn:schemas-microsoft-com:office:office" xmlns:v="urn:schemas-microsoft-com:vml" xmlns:pvml="urn:schemas-microsoft-com:office:powerpoint" xmlns:com="http://schemas.openxmlformats.org/drawingml/2006/compatibility" xmlns:p14="http://schemas.microsoft.com/office/powerpoint/2010/main" xmlns:p15="http://schemas.microsoft.com/office/powerpoint/2012/main" xmlns:ahyp="http://schemas.microsoft.com/office/drawing/2018/hyperlinkcolor">
+  <p:cSld>
+    <p:spTree>
+      <p:nvGrpSpPr>
+        <p:cNvPr id="366" name="Shape 366"/>
+        <p:cNvGrpSpPr/>
+        <p:nvPr/>
+      </p:nvGrpSpPr>
+      <p:grpSpPr>
+        <a:xfrm>
+          <a:off x="0" y="0"/>
+          <a:ext cx="0" cy="0"/>
+          <a:chOff x="0" y="0"/>
+          <a:chExt cx="0" cy="0"/>
+        </a:xfrm>
+      </p:grpSpPr>
       <p:pic>
         <p:nvPicPr>
-          <p:cNvPr id="363" name="Google Shape;363;p26"/>
+          <p:cNvPr id="367" name="Google Shape;367;p27"/>
+          <p:cNvPicPr preferRelativeResize="0"/>
+          <p:nvPr/>
+        </p:nvPicPr>
+        <p:blipFill>
+          <a:blip r:embed="rId3">
+            <a:alphaModFix/>
+          </a:blip>
+          <a:stretch>
+            <a:fillRect/>
+          </a:stretch>
+        </p:blipFill>
+        <p:spPr>
+          <a:xfrm>
+            <a:off x="165600" y="1595875"/>
+            <a:ext cx="3888025" cy="1466850"/>
+          </a:xfrm>
+          <a:prstGeom prst="rect">
+            <a:avLst/>
+          </a:prstGeom>
+          <a:noFill/>
+          <a:ln>
+            <a:noFill/>
+          </a:ln>
+        </p:spPr>
+      </p:pic>
+      <p:pic>
+        <p:nvPicPr>
+          <p:cNvPr id="368" name="Google Shape;368;p27"/>
           <p:cNvPicPr preferRelativeResize="0"/>
           <p:nvPr/>
         </p:nvPicPr>
@@ -46330,89 +46383,8 @@
         </p:blipFill>
         <p:spPr>
           <a:xfrm>
-            <a:off x="5503350" y="2443551"/>
-            <a:ext cx="3156551" cy="2491251"/>
-          </a:xfrm>
-          <a:prstGeom prst="rect">
-            <a:avLst/>
-          </a:prstGeom>
-          <a:noFill/>
-          <a:ln>
-            <a:noFill/>
-          </a:ln>
-        </p:spPr>
-      </p:pic>
-    </p:spTree>
-  </p:cSld>
-  <p:clrMapOvr>
-    <a:masterClrMapping/>
-  </p:clrMapOvr>
-</p:sld>
-</file>
-
-<file path=ppt/slides/slide3.xml><?xml version="1.0" encoding="utf-8"?>
-<p:sld xmlns:a="http://schemas.openxmlformats.org/drawingml/2006/main" xmlns:r="http://schemas.openxmlformats.org/officeDocument/2006/relationships" xmlns:mc="http://schemas.openxmlformats.org/markup-compatibility/2006" xmlns:mv="urn:schemas-microsoft-com:mac:vml" xmlns:p="http://schemas.openxmlformats.org/presentationml/2006/main" xmlns:c="http://schemas.openxmlformats.org/drawingml/2006/chart" xmlns:dgm="http://schemas.openxmlformats.org/drawingml/2006/diagram" xmlns:o="urn:schemas-microsoft-com:office:office" xmlns:v="urn:schemas-microsoft-com:vml" xmlns:pvml="urn:schemas-microsoft-com:office:powerpoint" xmlns:com="http://schemas.openxmlformats.org/drawingml/2006/compatibility" xmlns:p14="http://schemas.microsoft.com/office/powerpoint/2010/main" xmlns:p15="http://schemas.microsoft.com/office/powerpoint/2012/main" xmlns:ahyp="http://schemas.microsoft.com/office/drawing/2018/hyperlinkcolor">
-  <p:cSld>
-    <p:spTree>
-      <p:nvGrpSpPr>
-        <p:cNvPr id="367" name="Shape 367"/>
-        <p:cNvGrpSpPr/>
-        <p:nvPr/>
-      </p:nvGrpSpPr>
-      <p:grpSpPr>
-        <a:xfrm>
-          <a:off x="0" y="0"/>
-          <a:ext cx="0" cy="0"/>
-          <a:chOff x="0" y="0"/>
-          <a:chExt cx="0" cy="0"/>
-        </a:xfrm>
-      </p:grpSpPr>
-      <p:pic>
-        <p:nvPicPr>
-          <p:cNvPr id="368" name="Google Shape;368;p27"/>
-          <p:cNvPicPr preferRelativeResize="0"/>
-          <p:nvPr/>
-        </p:nvPicPr>
-        <p:blipFill>
-          <a:blip r:embed="rId3">
-            <a:alphaModFix/>
-          </a:blip>
-          <a:stretch>
-            <a:fillRect/>
-          </a:stretch>
-        </p:blipFill>
-        <p:spPr>
-          <a:xfrm>
-            <a:off x="2371050" y="477725"/>
-            <a:ext cx="4238625" cy="1466850"/>
-          </a:xfrm>
-          <a:prstGeom prst="rect">
-            <a:avLst/>
-          </a:prstGeom>
-          <a:noFill/>
-          <a:ln>
-            <a:noFill/>
-          </a:ln>
-        </p:spPr>
-      </p:pic>
-      <p:pic>
-        <p:nvPicPr>
-          <p:cNvPr id="369" name="Google Shape;369;p27"/>
-          <p:cNvPicPr preferRelativeResize="0"/>
-          <p:nvPr/>
-        </p:nvPicPr>
-        <p:blipFill>
-          <a:blip r:embed="rId4">
-            <a:alphaModFix/>
-          </a:blip>
-          <a:stretch>
-            <a:fillRect/>
-          </a:stretch>
-        </p:blipFill>
-        <p:spPr>
-          <a:xfrm>
-            <a:off x="274050" y="2128375"/>
-            <a:ext cx="8595899" cy="2912900"/>
+            <a:off x="4053625" y="593624"/>
+            <a:ext cx="4806775" cy="3793649"/>
           </a:xfrm>
           <a:prstGeom prst="rect">
             <a:avLst/>
@@ -46436,7 +46408,7 @@
   <p:cSld>
     <p:spTree>
       <p:nvGrpSpPr>
-        <p:cNvPr id="373" name="Shape 373"/>
+        <p:cNvPr id="372" name="Shape 372"/>
         <p:cNvGrpSpPr/>
         <p:nvPr/>
       </p:nvGrpSpPr>
@@ -46450,7 +46422,7 @@
       </p:grpSpPr>
       <p:sp>
         <p:nvSpPr>
-          <p:cNvPr id="374" name="Google Shape;374;p28"/>
+          <p:cNvPr id="373" name="Google Shape;373;p28"/>
           <p:cNvSpPr txBox="1"/>
           <p:nvPr>
             <p:ph type="title"/>
@@ -46481,98 +46453,6 @@
               <a:buNone/>
             </a:pPr>
             <a:r>
-              <a:t/>
-            </a:r>
-            <a:endParaRPr/>
-          </a:p>
-        </p:txBody>
-      </p:sp>
-      <p:pic>
-        <p:nvPicPr>
-          <p:cNvPr id="375" name="Google Shape;375;p28"/>
-          <p:cNvPicPr preferRelativeResize="0"/>
-          <p:nvPr/>
-        </p:nvPicPr>
-        <p:blipFill>
-          <a:blip r:embed="rId3">
-            <a:alphaModFix/>
-          </a:blip>
-          <a:stretch>
-            <a:fillRect/>
-          </a:stretch>
-        </p:blipFill>
-        <p:spPr>
-          <a:xfrm>
-            <a:off x="1459675" y="328600"/>
-            <a:ext cx="5734050" cy="4486275"/>
-          </a:xfrm>
-          <a:prstGeom prst="rect">
-            <a:avLst/>
-          </a:prstGeom>
-          <a:noFill/>
-          <a:ln>
-            <a:noFill/>
-          </a:ln>
-        </p:spPr>
-      </p:pic>
-    </p:spTree>
-  </p:cSld>
-  <p:clrMapOvr>
-    <a:masterClrMapping/>
-  </p:clrMapOvr>
-</p:sld>
-</file>
-
-<file path=ppt/slides/slide5.xml><?xml version="1.0" encoding="utf-8"?>
-<p:sld xmlns:a="http://schemas.openxmlformats.org/drawingml/2006/main" xmlns:r="http://schemas.openxmlformats.org/officeDocument/2006/relationships" xmlns:mc="http://schemas.openxmlformats.org/markup-compatibility/2006" xmlns:mv="urn:schemas-microsoft-com:mac:vml" xmlns:p="http://schemas.openxmlformats.org/presentationml/2006/main" xmlns:c="http://schemas.openxmlformats.org/drawingml/2006/chart" xmlns:dgm="http://schemas.openxmlformats.org/drawingml/2006/diagram" xmlns:o="urn:schemas-microsoft-com:office:office" xmlns:v="urn:schemas-microsoft-com:vml" xmlns:pvml="urn:schemas-microsoft-com:office:powerpoint" xmlns:com="http://schemas.openxmlformats.org/drawingml/2006/compatibility" xmlns:p14="http://schemas.microsoft.com/office/powerpoint/2010/main" xmlns:p15="http://schemas.microsoft.com/office/powerpoint/2012/main" xmlns:ahyp="http://schemas.microsoft.com/office/drawing/2018/hyperlinkcolor">
-  <p:cSld>
-    <p:spTree>
-      <p:nvGrpSpPr>
-        <p:cNvPr id="379" name="Shape 379"/>
-        <p:cNvGrpSpPr/>
-        <p:nvPr/>
-      </p:nvGrpSpPr>
-      <p:grpSpPr>
-        <a:xfrm>
-          <a:off x="0" y="0"/>
-          <a:ext cx="0" cy="0"/>
-          <a:chOff x="0" y="0"/>
-          <a:chExt cx="0" cy="0"/>
-        </a:xfrm>
-      </p:grpSpPr>
-      <p:sp>
-        <p:nvSpPr>
-          <p:cNvPr id="380" name="Google Shape;380;p29"/>
-          <p:cNvSpPr txBox="1"/>
-          <p:nvPr>
-            <p:ph type="title"/>
-          </p:nvPr>
-        </p:nvSpPr>
-        <p:spPr>
-          <a:xfrm>
-            <a:off x="720000" y="539400"/>
-            <a:ext cx="7704000" cy="572700"/>
-          </a:xfrm>
-          <a:prstGeom prst="rect">
-            <a:avLst/>
-          </a:prstGeom>
-        </p:spPr>
-        <p:txBody>
-          <a:bodyPr anchorCtr="0" anchor="t" bIns="91425" lIns="91425" spcFirstLastPara="1" rIns="91425" wrap="square" tIns="91425">
-            <a:noAutofit/>
-          </a:bodyPr>
-          <a:lstStyle/>
-          <a:p>
-            <a:pPr indent="0" lvl="0" marL="0" rtl="0" algn="ctr">
-              <a:spcBef>
-                <a:spcPts val="0"/>
-              </a:spcBef>
-              <a:spcAft>
-                <a:spcPts val="0"/>
-              </a:spcAft>
-              <a:buNone/>
-            </a:pPr>
-            <a:r>
               <a:rPr lang="en"/>
               <a:t>Hypothesis</a:t>
             </a:r>
@@ -46582,7 +46462,7 @@
       </p:sp>
       <p:sp>
         <p:nvSpPr>
-          <p:cNvPr id="381" name="Google Shape;381;p29"/>
+          <p:cNvPr id="374" name="Google Shape;374;p28"/>
           <p:cNvSpPr txBox="1"/>
           <p:nvPr/>
         </p:nvSpPr>
@@ -46798,12 +46678,12 @@
 </p:sld>
 </file>
 
-<file path=ppt/slides/slide6.xml><?xml version="1.0" encoding="utf-8"?>
+<file path=ppt/slides/slide5.xml><?xml version="1.0" encoding="utf-8"?>
 <p:sld xmlns:a="http://schemas.openxmlformats.org/drawingml/2006/main" xmlns:r="http://schemas.openxmlformats.org/officeDocument/2006/relationships" xmlns:mc="http://schemas.openxmlformats.org/markup-compatibility/2006" xmlns:mv="urn:schemas-microsoft-com:mac:vml" xmlns:p="http://schemas.openxmlformats.org/presentationml/2006/main" xmlns:c="http://schemas.openxmlformats.org/drawingml/2006/chart" xmlns:dgm="http://schemas.openxmlformats.org/drawingml/2006/diagram" xmlns:o="urn:schemas-microsoft-com:office:office" xmlns:v="urn:schemas-microsoft-com:vml" xmlns:pvml="urn:schemas-microsoft-com:office:powerpoint" xmlns:com="http://schemas.openxmlformats.org/drawingml/2006/compatibility" xmlns:p14="http://schemas.microsoft.com/office/powerpoint/2010/main" xmlns:p15="http://schemas.microsoft.com/office/powerpoint/2012/main" xmlns:ahyp="http://schemas.microsoft.com/office/drawing/2018/hyperlinkcolor">
   <p:cSld>
     <p:spTree>
       <p:nvGrpSpPr>
-        <p:cNvPr id="385" name="Shape 385"/>
+        <p:cNvPr id="378" name="Shape 378"/>
         <p:cNvGrpSpPr/>
         <p:nvPr/>
       </p:nvGrpSpPr>
@@ -46817,7 +46697,7 @@
       </p:grpSpPr>
       <p:sp>
         <p:nvSpPr>
-          <p:cNvPr id="386" name="Google Shape;386;p30"/>
+          <p:cNvPr id="379" name="Google Shape;379;p29"/>
           <p:cNvSpPr txBox="1"/>
           <p:nvPr>
             <p:ph type="title"/>
@@ -46857,7 +46737,7 @@
       </p:sp>
       <p:graphicFrame>
         <p:nvGraphicFramePr>
-          <p:cNvPr id="387" name="Google Shape;387;p30"/>
+          <p:cNvPr id="380" name="Google Shape;380;p29"/>
           <p:cNvGraphicFramePr/>
           <p:nvPr/>
         </p:nvGraphicFramePr>
@@ -46870,7 +46750,7 @@
             <a:tbl>
               <a:tblPr>
                 <a:noFill/>
-                <a:tableStyleId>{B7052683-10E8-4206-BE47-3C14FB98FBF8}</a:tableStyleId>
+                <a:tableStyleId>{3EF29ECD-4688-4EC7-909B-76AC6DE8DA4F}</a:tableStyleId>
               </a:tblPr>
               <a:tblGrid>
                 <a:gridCol w="2211350"/>
@@ -47342,12 +47222,2329 @@
 </p:sld>
 </file>
 
+<file path=ppt/slides/slide6.xml><?xml version="1.0" encoding="utf-8"?>
+<p:sld xmlns:a="http://schemas.openxmlformats.org/drawingml/2006/main" xmlns:r="http://schemas.openxmlformats.org/officeDocument/2006/relationships" xmlns:mc="http://schemas.openxmlformats.org/markup-compatibility/2006" xmlns:mv="urn:schemas-microsoft-com:mac:vml" xmlns:p="http://schemas.openxmlformats.org/presentationml/2006/main" xmlns:c="http://schemas.openxmlformats.org/drawingml/2006/chart" xmlns:dgm="http://schemas.openxmlformats.org/drawingml/2006/diagram" xmlns:o="urn:schemas-microsoft-com:office:office" xmlns:v="urn:schemas-microsoft-com:vml" xmlns:pvml="urn:schemas-microsoft-com:office:powerpoint" xmlns:com="http://schemas.openxmlformats.org/drawingml/2006/compatibility" xmlns:p14="http://schemas.microsoft.com/office/powerpoint/2010/main" xmlns:p15="http://schemas.microsoft.com/office/powerpoint/2012/main" xmlns:ahyp="http://schemas.microsoft.com/office/drawing/2018/hyperlinkcolor">
+  <p:cSld>
+    <p:spTree>
+      <p:nvGrpSpPr>
+        <p:cNvPr id="384" name="Shape 384"/>
+        <p:cNvGrpSpPr/>
+        <p:nvPr/>
+      </p:nvGrpSpPr>
+      <p:grpSpPr>
+        <a:xfrm>
+          <a:off x="0" y="0"/>
+          <a:ext cx="0" cy="0"/>
+          <a:chOff x="0" y="0"/>
+          <a:chExt cx="0" cy="0"/>
+        </a:xfrm>
+      </p:grpSpPr>
+      <p:graphicFrame>
+        <p:nvGraphicFramePr>
+          <p:cNvPr id="385" name="Google Shape;385;p30"/>
+          <p:cNvGraphicFramePr/>
+          <p:nvPr/>
+        </p:nvGraphicFramePr>
+        <p:xfrm>
+          <a:off x="411775" y="272525"/>
+          <a:ext cx="3000000" cy="3000000"/>
+        </p:xfrm>
+        <a:graphic>
+          <a:graphicData uri="http://schemas.openxmlformats.org/drawingml/2006/table">
+            <a:tbl>
+              <a:tblPr>
+                <a:noFill/>
+                <a:tableStyleId>{DBFEA3A2-B55C-41AC-B5C5-C40635CD6D2B}</a:tableStyleId>
+              </a:tblPr>
+              <a:tblGrid>
+                <a:gridCol w="2999125"/>
+                <a:gridCol w="2274750"/>
+                <a:gridCol w="2884725"/>
+              </a:tblGrid>
+              <a:tr h="397450">
+                <a:tc>
+                  <a:txBody>
+                    <a:bodyPr/>
+                    <a:lstStyle/>
+                    <a:p>
+                      <a:pPr indent="0" lvl="0" marL="0" rtl="0" algn="ctr">
+                        <a:spcBef>
+                          <a:spcPts val="0"/>
+                        </a:spcBef>
+                        <a:spcAft>
+                          <a:spcPts val="0"/>
+                        </a:spcAft>
+                        <a:buNone/>
+                      </a:pPr>
+                      <a:r>
+                        <a:rPr b="1" lang="en" sz="1100">
+                          <a:solidFill>
+                            <a:schemeClr val="dk1"/>
+                          </a:solidFill>
+                        </a:rPr>
+                        <a:t>Question</a:t>
+                      </a:r>
+                      <a:endParaRPr sz="1100">
+                        <a:solidFill>
+                          <a:schemeClr val="dk1"/>
+                        </a:solidFill>
+                      </a:endParaRPr>
+                    </a:p>
+                  </a:txBody>
+                  <a:tcPr marT="63500" marB="63500" marR="63500" marL="63500">
+                    <a:lnL cap="flat" cmpd="sng" w="6350">
+                      <a:solidFill>
+                        <a:srgbClr val="000000"/>
+                      </a:solidFill>
+                      <a:prstDash val="solid"/>
+                      <a:round/>
+                      <a:headEnd len="sm" w="sm" type="none"/>
+                      <a:tailEnd len="sm" w="sm" type="none"/>
+                    </a:lnL>
+                    <a:lnR cap="flat" cmpd="sng" w="6350">
+                      <a:solidFill>
+                        <a:srgbClr val="000000"/>
+                      </a:solidFill>
+                      <a:prstDash val="solid"/>
+                      <a:round/>
+                      <a:headEnd len="sm" w="sm" type="none"/>
+                      <a:tailEnd len="sm" w="sm" type="none"/>
+                    </a:lnR>
+                    <a:lnT cap="flat" cmpd="sng" w="6350">
+                      <a:solidFill>
+                        <a:srgbClr val="000000"/>
+                      </a:solidFill>
+                      <a:prstDash val="solid"/>
+                      <a:round/>
+                      <a:headEnd len="sm" w="sm" type="none"/>
+                      <a:tailEnd len="sm" w="sm" type="none"/>
+                    </a:lnT>
+                    <a:lnB cap="flat" cmpd="sng" w="6350">
+                      <a:solidFill>
+                        <a:srgbClr val="000000"/>
+                      </a:solidFill>
+                      <a:prstDash val="solid"/>
+                      <a:round/>
+                      <a:headEnd len="sm" w="sm" type="none"/>
+                      <a:tailEnd len="sm" w="sm" type="none"/>
+                    </a:lnB>
+                  </a:tcPr>
+                </a:tc>
+                <a:tc>
+                  <a:txBody>
+                    <a:bodyPr/>
+                    <a:lstStyle/>
+                    <a:p>
+                      <a:pPr indent="0" lvl="0" marL="0" rtl="0" algn="ctr">
+                        <a:spcBef>
+                          <a:spcPts val="0"/>
+                        </a:spcBef>
+                        <a:spcAft>
+                          <a:spcPts val="0"/>
+                        </a:spcAft>
+                        <a:buNone/>
+                      </a:pPr>
+                      <a:r>
+                        <a:rPr b="1" lang="en" sz="1100">
+                          <a:solidFill>
+                            <a:schemeClr val="dk1"/>
+                          </a:solidFill>
+                        </a:rPr>
+                        <a:t>Psychological Well-Being Dimension</a:t>
+                      </a:r>
+                      <a:endParaRPr sz="1100">
+                        <a:solidFill>
+                          <a:schemeClr val="dk1"/>
+                        </a:solidFill>
+                      </a:endParaRPr>
+                    </a:p>
+                  </a:txBody>
+                  <a:tcPr marT="63500" marB="63500" marR="63500" marL="63500">
+                    <a:lnL cap="flat" cmpd="sng" w="6350">
+                      <a:solidFill>
+                        <a:srgbClr val="000000"/>
+                      </a:solidFill>
+                      <a:prstDash val="solid"/>
+                      <a:round/>
+                      <a:headEnd len="sm" w="sm" type="none"/>
+                      <a:tailEnd len="sm" w="sm" type="none"/>
+                    </a:lnL>
+                    <a:lnR cap="flat" cmpd="sng" w="6350">
+                      <a:solidFill>
+                        <a:srgbClr val="000000"/>
+                      </a:solidFill>
+                      <a:prstDash val="solid"/>
+                      <a:round/>
+                      <a:headEnd len="sm" w="sm" type="none"/>
+                      <a:tailEnd len="sm" w="sm" type="none"/>
+                    </a:lnR>
+                    <a:lnT cap="flat" cmpd="sng" w="6350">
+                      <a:solidFill>
+                        <a:srgbClr val="000000"/>
+                      </a:solidFill>
+                      <a:prstDash val="solid"/>
+                      <a:round/>
+                      <a:headEnd len="sm" w="sm" type="none"/>
+                      <a:tailEnd len="sm" w="sm" type="none"/>
+                    </a:lnT>
+                    <a:lnB cap="flat" cmpd="sng" w="6350">
+                      <a:solidFill>
+                        <a:srgbClr val="000000"/>
+                      </a:solidFill>
+                      <a:prstDash val="solid"/>
+                      <a:round/>
+                      <a:headEnd len="sm" w="sm" type="none"/>
+                      <a:tailEnd len="sm" w="sm" type="none"/>
+                    </a:lnB>
+                  </a:tcPr>
+                </a:tc>
+                <a:tc>
+                  <a:txBody>
+                    <a:bodyPr/>
+                    <a:lstStyle/>
+                    <a:p>
+                      <a:pPr indent="0" lvl="0" marL="0" rtl="0" algn="ctr">
+                        <a:spcBef>
+                          <a:spcPts val="0"/>
+                        </a:spcBef>
+                        <a:spcAft>
+                          <a:spcPts val="0"/>
+                        </a:spcAft>
+                        <a:buNone/>
+                      </a:pPr>
+                      <a:r>
+                        <a:rPr b="1" lang="en" sz="1100">
+                          <a:solidFill>
+                            <a:schemeClr val="dk1"/>
+                          </a:solidFill>
+                        </a:rPr>
+                        <a:t>Justification</a:t>
+                      </a:r>
+                      <a:endParaRPr sz="1100">
+                        <a:solidFill>
+                          <a:schemeClr val="dk1"/>
+                        </a:solidFill>
+                      </a:endParaRPr>
+                    </a:p>
+                  </a:txBody>
+                  <a:tcPr marT="63500" marB="63500" marR="63500" marL="63500">
+                    <a:lnL cap="flat" cmpd="sng" w="6350">
+                      <a:solidFill>
+                        <a:srgbClr val="000000"/>
+                      </a:solidFill>
+                      <a:prstDash val="solid"/>
+                      <a:round/>
+                      <a:headEnd len="sm" w="sm" type="none"/>
+                      <a:tailEnd len="sm" w="sm" type="none"/>
+                    </a:lnL>
+                    <a:lnR cap="flat" cmpd="sng" w="6350">
+                      <a:solidFill>
+                        <a:srgbClr val="000000"/>
+                      </a:solidFill>
+                      <a:prstDash val="solid"/>
+                      <a:round/>
+                      <a:headEnd len="sm" w="sm" type="none"/>
+                      <a:tailEnd len="sm" w="sm" type="none"/>
+                    </a:lnR>
+                    <a:lnT cap="flat" cmpd="sng" w="6350">
+                      <a:solidFill>
+                        <a:srgbClr val="000000"/>
+                      </a:solidFill>
+                      <a:prstDash val="solid"/>
+                      <a:round/>
+                      <a:headEnd len="sm" w="sm" type="none"/>
+                      <a:tailEnd len="sm" w="sm" type="none"/>
+                    </a:lnT>
+                    <a:lnB cap="flat" cmpd="sng" w="6350">
+                      <a:solidFill>
+                        <a:srgbClr val="000000"/>
+                      </a:solidFill>
+                      <a:prstDash val="solid"/>
+                      <a:round/>
+                      <a:headEnd len="sm" w="sm" type="none"/>
+                      <a:tailEnd len="sm" w="sm" type="none"/>
+                    </a:lnB>
+                  </a:tcPr>
+                </a:tc>
+              </a:tr>
+              <a:tr h="491725">
+                <a:tc>
+                  <a:txBody>
+                    <a:bodyPr/>
+                    <a:lstStyle/>
+                    <a:p>
+                      <a:pPr indent="0" lvl="0" marL="0" rtl="0" algn="l">
+                        <a:spcBef>
+                          <a:spcPts val="0"/>
+                        </a:spcBef>
+                        <a:spcAft>
+                          <a:spcPts val="0"/>
+                        </a:spcAft>
+                        <a:buNone/>
+                      </a:pPr>
+                      <a:r>
+                        <a:rPr lang="en" sz="700">
+                          <a:solidFill>
+                            <a:schemeClr val="dk1"/>
+                          </a:solidFill>
+                        </a:rPr>
+                        <a:t>How often do you use AI tools?</a:t>
+                      </a:r>
+                      <a:endParaRPr sz="700">
+                        <a:solidFill>
+                          <a:schemeClr val="dk1"/>
+                        </a:solidFill>
+                      </a:endParaRPr>
+                    </a:p>
+                  </a:txBody>
+                  <a:tcPr marT="63500" marB="63500" marR="63500" marL="63500">
+                    <a:lnL cap="flat" cmpd="sng" w="6350">
+                      <a:solidFill>
+                        <a:srgbClr val="000000"/>
+                      </a:solidFill>
+                      <a:prstDash val="solid"/>
+                      <a:round/>
+                      <a:headEnd len="sm" w="sm" type="none"/>
+                      <a:tailEnd len="sm" w="sm" type="none"/>
+                    </a:lnL>
+                    <a:lnR cap="flat" cmpd="sng" w="6350">
+                      <a:solidFill>
+                        <a:srgbClr val="000000"/>
+                      </a:solidFill>
+                      <a:prstDash val="solid"/>
+                      <a:round/>
+                      <a:headEnd len="sm" w="sm" type="none"/>
+                      <a:tailEnd len="sm" w="sm" type="none"/>
+                    </a:lnR>
+                    <a:lnT cap="flat" cmpd="sng" w="6350">
+                      <a:solidFill>
+                        <a:srgbClr val="000000"/>
+                      </a:solidFill>
+                      <a:prstDash val="solid"/>
+                      <a:round/>
+                      <a:headEnd len="sm" w="sm" type="none"/>
+                      <a:tailEnd len="sm" w="sm" type="none"/>
+                    </a:lnT>
+                    <a:lnB cap="flat" cmpd="sng" w="6350">
+                      <a:solidFill>
+                        <a:srgbClr val="000000"/>
+                      </a:solidFill>
+                      <a:prstDash val="solid"/>
+                      <a:round/>
+                      <a:headEnd len="sm" w="sm" type="none"/>
+                      <a:tailEnd len="sm" w="sm" type="none"/>
+                    </a:lnB>
+                  </a:tcPr>
+                </a:tc>
+                <a:tc>
+                  <a:txBody>
+                    <a:bodyPr/>
+                    <a:lstStyle/>
+                    <a:p>
+                      <a:pPr indent="0" lvl="0" marL="0" rtl="0" algn="l">
+                        <a:spcBef>
+                          <a:spcPts val="0"/>
+                        </a:spcBef>
+                        <a:spcAft>
+                          <a:spcPts val="0"/>
+                        </a:spcAft>
+                        <a:buNone/>
+                      </a:pPr>
+                      <a:r>
+                        <a:rPr lang="en" sz="700">
+                          <a:solidFill>
+                            <a:schemeClr val="dk1"/>
+                          </a:solidFill>
+                        </a:rPr>
+                        <a:t>Autonomy / Environmental Mastery</a:t>
+                      </a:r>
+                      <a:endParaRPr sz="700">
+                        <a:solidFill>
+                          <a:schemeClr val="dk1"/>
+                        </a:solidFill>
+                      </a:endParaRPr>
+                    </a:p>
+                  </a:txBody>
+                  <a:tcPr marT="63500" marB="63500" marR="63500" marL="63500">
+                    <a:lnL cap="flat" cmpd="sng" w="6350">
+                      <a:solidFill>
+                        <a:srgbClr val="000000"/>
+                      </a:solidFill>
+                      <a:prstDash val="solid"/>
+                      <a:round/>
+                      <a:headEnd len="sm" w="sm" type="none"/>
+                      <a:tailEnd len="sm" w="sm" type="none"/>
+                    </a:lnL>
+                    <a:lnR cap="flat" cmpd="sng" w="6350">
+                      <a:solidFill>
+                        <a:srgbClr val="000000"/>
+                      </a:solidFill>
+                      <a:prstDash val="solid"/>
+                      <a:round/>
+                      <a:headEnd len="sm" w="sm" type="none"/>
+                      <a:tailEnd len="sm" w="sm" type="none"/>
+                    </a:lnR>
+                    <a:lnT cap="flat" cmpd="sng" w="6350">
+                      <a:solidFill>
+                        <a:srgbClr val="000000"/>
+                      </a:solidFill>
+                      <a:prstDash val="solid"/>
+                      <a:round/>
+                      <a:headEnd len="sm" w="sm" type="none"/>
+                      <a:tailEnd len="sm" w="sm" type="none"/>
+                    </a:lnT>
+                    <a:lnB cap="flat" cmpd="sng" w="6350">
+                      <a:solidFill>
+                        <a:srgbClr val="000000"/>
+                      </a:solidFill>
+                      <a:prstDash val="solid"/>
+                      <a:round/>
+                      <a:headEnd len="sm" w="sm" type="none"/>
+                      <a:tailEnd len="sm" w="sm" type="none"/>
+                    </a:lnB>
+                  </a:tcPr>
+                </a:tc>
+                <a:tc>
+                  <a:txBody>
+                    <a:bodyPr/>
+                    <a:lstStyle/>
+                    <a:p>
+                      <a:pPr indent="0" lvl="0" marL="0" rtl="0" algn="l">
+                        <a:spcBef>
+                          <a:spcPts val="0"/>
+                        </a:spcBef>
+                        <a:spcAft>
+                          <a:spcPts val="0"/>
+                        </a:spcAft>
+                        <a:buNone/>
+                      </a:pPr>
+                      <a:r>
+                        <a:rPr lang="en" sz="700">
+                          <a:solidFill>
+                            <a:schemeClr val="dk1"/>
+                          </a:solidFill>
+                        </a:rPr>
+                        <a:t>Frequency of use reflects decision-making autonomy and the ability to manage available resources.</a:t>
+                      </a:r>
+                      <a:endParaRPr sz="700">
+                        <a:solidFill>
+                          <a:schemeClr val="dk1"/>
+                        </a:solidFill>
+                      </a:endParaRPr>
+                    </a:p>
+                  </a:txBody>
+                  <a:tcPr marT="63500" marB="63500" marR="63500" marL="63500">
+                    <a:lnL cap="flat" cmpd="sng" w="6350">
+                      <a:solidFill>
+                        <a:srgbClr val="000000"/>
+                      </a:solidFill>
+                      <a:prstDash val="solid"/>
+                      <a:round/>
+                      <a:headEnd len="sm" w="sm" type="none"/>
+                      <a:tailEnd len="sm" w="sm" type="none"/>
+                    </a:lnL>
+                    <a:lnR cap="flat" cmpd="sng" w="6350">
+                      <a:solidFill>
+                        <a:srgbClr val="000000"/>
+                      </a:solidFill>
+                      <a:prstDash val="solid"/>
+                      <a:round/>
+                      <a:headEnd len="sm" w="sm" type="none"/>
+                      <a:tailEnd len="sm" w="sm" type="none"/>
+                    </a:lnR>
+                    <a:lnT cap="flat" cmpd="sng" w="6350">
+                      <a:solidFill>
+                        <a:srgbClr val="000000"/>
+                      </a:solidFill>
+                      <a:prstDash val="solid"/>
+                      <a:round/>
+                      <a:headEnd len="sm" w="sm" type="none"/>
+                      <a:tailEnd len="sm" w="sm" type="none"/>
+                    </a:lnT>
+                    <a:lnB cap="flat" cmpd="sng" w="6350">
+                      <a:solidFill>
+                        <a:srgbClr val="000000"/>
+                      </a:solidFill>
+                      <a:prstDash val="solid"/>
+                      <a:round/>
+                      <a:headEnd len="sm" w="sm" type="none"/>
+                      <a:tailEnd len="sm" w="sm" type="none"/>
+                    </a:lnB>
+                  </a:tcPr>
+                </a:tc>
+              </a:tr>
+              <a:tr h="360275">
+                <a:tc>
+                  <a:txBody>
+                    <a:bodyPr/>
+                    <a:lstStyle/>
+                    <a:p>
+                      <a:pPr indent="0" lvl="0" marL="0" rtl="0" algn="l">
+                        <a:spcBef>
+                          <a:spcPts val="0"/>
+                        </a:spcBef>
+                        <a:spcAft>
+                          <a:spcPts val="0"/>
+                        </a:spcAft>
+                        <a:buNone/>
+                      </a:pPr>
+                      <a:r>
+                        <a:rPr lang="en" sz="700">
+                          <a:solidFill>
+                            <a:schemeClr val="dk1"/>
+                          </a:solidFill>
+                        </a:rPr>
+                        <a:t>What do you primarily use AI tools for?</a:t>
+                      </a:r>
+                      <a:endParaRPr sz="700">
+                        <a:solidFill>
+                          <a:schemeClr val="dk1"/>
+                        </a:solidFill>
+                      </a:endParaRPr>
+                    </a:p>
+                  </a:txBody>
+                  <a:tcPr marT="63500" marB="63500" marR="63500" marL="63500">
+                    <a:lnL cap="flat" cmpd="sng" w="6350">
+                      <a:solidFill>
+                        <a:srgbClr val="000000"/>
+                      </a:solidFill>
+                      <a:prstDash val="solid"/>
+                      <a:round/>
+                      <a:headEnd len="sm" w="sm" type="none"/>
+                      <a:tailEnd len="sm" w="sm" type="none"/>
+                    </a:lnL>
+                    <a:lnR cap="flat" cmpd="sng" w="6350">
+                      <a:solidFill>
+                        <a:srgbClr val="000000"/>
+                      </a:solidFill>
+                      <a:prstDash val="solid"/>
+                      <a:round/>
+                      <a:headEnd len="sm" w="sm" type="none"/>
+                      <a:tailEnd len="sm" w="sm" type="none"/>
+                    </a:lnR>
+                    <a:lnT cap="flat" cmpd="sng" w="6350">
+                      <a:solidFill>
+                        <a:srgbClr val="000000"/>
+                      </a:solidFill>
+                      <a:prstDash val="solid"/>
+                      <a:round/>
+                      <a:headEnd len="sm" w="sm" type="none"/>
+                      <a:tailEnd len="sm" w="sm" type="none"/>
+                    </a:lnT>
+                    <a:lnB cap="flat" cmpd="sng" w="6350">
+                      <a:solidFill>
+                        <a:srgbClr val="000000"/>
+                      </a:solidFill>
+                      <a:prstDash val="solid"/>
+                      <a:round/>
+                      <a:headEnd len="sm" w="sm" type="none"/>
+                      <a:tailEnd len="sm" w="sm" type="none"/>
+                    </a:lnB>
+                  </a:tcPr>
+                </a:tc>
+                <a:tc>
+                  <a:txBody>
+                    <a:bodyPr/>
+                    <a:lstStyle/>
+                    <a:p>
+                      <a:pPr indent="0" lvl="0" marL="0" rtl="0" algn="l">
+                        <a:spcBef>
+                          <a:spcPts val="0"/>
+                        </a:spcBef>
+                        <a:spcAft>
+                          <a:spcPts val="0"/>
+                        </a:spcAft>
+                        <a:buNone/>
+                      </a:pPr>
+                      <a:r>
+                        <a:rPr lang="en" sz="700">
+                          <a:solidFill>
+                            <a:schemeClr val="dk1"/>
+                          </a:solidFill>
+                        </a:rPr>
+                        <a:t>Purpose in Life / Personal Growth</a:t>
+                      </a:r>
+                      <a:endParaRPr sz="700">
+                        <a:solidFill>
+                          <a:schemeClr val="dk1"/>
+                        </a:solidFill>
+                      </a:endParaRPr>
+                    </a:p>
+                  </a:txBody>
+                  <a:tcPr marT="63500" marB="63500" marR="63500" marL="63500">
+                    <a:lnL cap="flat" cmpd="sng" w="6350">
+                      <a:solidFill>
+                        <a:srgbClr val="000000"/>
+                      </a:solidFill>
+                      <a:prstDash val="solid"/>
+                      <a:round/>
+                      <a:headEnd len="sm" w="sm" type="none"/>
+                      <a:tailEnd len="sm" w="sm" type="none"/>
+                    </a:lnL>
+                    <a:lnR cap="flat" cmpd="sng" w="6350">
+                      <a:solidFill>
+                        <a:srgbClr val="000000"/>
+                      </a:solidFill>
+                      <a:prstDash val="solid"/>
+                      <a:round/>
+                      <a:headEnd len="sm" w="sm" type="none"/>
+                      <a:tailEnd len="sm" w="sm" type="none"/>
+                    </a:lnR>
+                    <a:lnT cap="flat" cmpd="sng" w="6350">
+                      <a:solidFill>
+                        <a:srgbClr val="000000"/>
+                      </a:solidFill>
+                      <a:prstDash val="solid"/>
+                      <a:round/>
+                      <a:headEnd len="sm" w="sm" type="none"/>
+                      <a:tailEnd len="sm" w="sm" type="none"/>
+                    </a:lnT>
+                    <a:lnB cap="flat" cmpd="sng" w="6350">
+                      <a:solidFill>
+                        <a:srgbClr val="000000"/>
+                      </a:solidFill>
+                      <a:prstDash val="solid"/>
+                      <a:round/>
+                      <a:headEnd len="sm" w="sm" type="none"/>
+                      <a:tailEnd len="sm" w="sm" type="none"/>
+                    </a:lnB>
+                  </a:tcPr>
+                </a:tc>
+                <a:tc>
+                  <a:txBody>
+                    <a:bodyPr/>
+                    <a:lstStyle/>
+                    <a:p>
+                      <a:pPr indent="0" lvl="0" marL="0" rtl="0" algn="l">
+                        <a:spcBef>
+                          <a:spcPts val="0"/>
+                        </a:spcBef>
+                        <a:spcAft>
+                          <a:spcPts val="0"/>
+                        </a:spcAft>
+                        <a:buNone/>
+                      </a:pPr>
+                      <a:r>
+                        <a:rPr lang="en" sz="700">
+                          <a:solidFill>
+                            <a:schemeClr val="dk1"/>
+                          </a:solidFill>
+                        </a:rPr>
+                        <a:t>The reason for use reflects goals, motivation, and personal development.</a:t>
+                      </a:r>
+                      <a:endParaRPr sz="700">
+                        <a:solidFill>
+                          <a:schemeClr val="dk1"/>
+                        </a:solidFill>
+                      </a:endParaRPr>
+                    </a:p>
+                  </a:txBody>
+                  <a:tcPr marT="63500" marB="63500" marR="63500" marL="63500">
+                    <a:lnL cap="flat" cmpd="sng" w="6350">
+                      <a:solidFill>
+                        <a:srgbClr val="000000"/>
+                      </a:solidFill>
+                      <a:prstDash val="solid"/>
+                      <a:round/>
+                      <a:headEnd len="sm" w="sm" type="none"/>
+                      <a:tailEnd len="sm" w="sm" type="none"/>
+                    </a:lnL>
+                    <a:lnR cap="flat" cmpd="sng" w="6350">
+                      <a:solidFill>
+                        <a:srgbClr val="000000"/>
+                      </a:solidFill>
+                      <a:prstDash val="solid"/>
+                      <a:round/>
+                      <a:headEnd len="sm" w="sm" type="none"/>
+                      <a:tailEnd len="sm" w="sm" type="none"/>
+                    </a:lnR>
+                    <a:lnT cap="flat" cmpd="sng" w="6350">
+                      <a:solidFill>
+                        <a:srgbClr val="000000"/>
+                      </a:solidFill>
+                      <a:prstDash val="solid"/>
+                      <a:round/>
+                      <a:headEnd len="sm" w="sm" type="none"/>
+                      <a:tailEnd len="sm" w="sm" type="none"/>
+                    </a:lnT>
+                    <a:lnB cap="flat" cmpd="sng" w="6350">
+                      <a:solidFill>
+                        <a:srgbClr val="000000"/>
+                      </a:solidFill>
+                      <a:prstDash val="solid"/>
+                      <a:round/>
+                      <a:headEnd len="sm" w="sm" type="none"/>
+                      <a:tailEnd len="sm" w="sm" type="none"/>
+                    </a:lnB>
+                  </a:tcPr>
+                </a:tc>
+              </a:tr>
+              <a:tr h="491725">
+                <a:tc>
+                  <a:txBody>
+                    <a:bodyPr/>
+                    <a:lstStyle/>
+                    <a:p>
+                      <a:pPr indent="0" lvl="0" marL="0" rtl="0" algn="l">
+                        <a:spcBef>
+                          <a:spcPts val="0"/>
+                        </a:spcBef>
+                        <a:spcAft>
+                          <a:spcPts val="0"/>
+                        </a:spcAft>
+                        <a:buNone/>
+                      </a:pPr>
+                      <a:r>
+                        <a:rPr lang="en" sz="700">
+                          <a:solidFill>
+                            <a:schemeClr val="dk1"/>
+                          </a:solidFill>
+                        </a:rPr>
+                        <a:t>Do you feel more productive when using AI tools?</a:t>
+                      </a:r>
+                      <a:endParaRPr sz="700">
+                        <a:solidFill>
+                          <a:schemeClr val="dk1"/>
+                        </a:solidFill>
+                      </a:endParaRPr>
+                    </a:p>
+                  </a:txBody>
+                  <a:tcPr marT="63500" marB="63500" marR="63500" marL="63500">
+                    <a:lnL cap="flat" cmpd="sng" w="6350">
+                      <a:solidFill>
+                        <a:srgbClr val="000000"/>
+                      </a:solidFill>
+                      <a:prstDash val="solid"/>
+                      <a:round/>
+                      <a:headEnd len="sm" w="sm" type="none"/>
+                      <a:tailEnd len="sm" w="sm" type="none"/>
+                    </a:lnL>
+                    <a:lnR cap="flat" cmpd="sng" w="6350">
+                      <a:solidFill>
+                        <a:srgbClr val="000000"/>
+                      </a:solidFill>
+                      <a:prstDash val="solid"/>
+                      <a:round/>
+                      <a:headEnd len="sm" w="sm" type="none"/>
+                      <a:tailEnd len="sm" w="sm" type="none"/>
+                    </a:lnR>
+                    <a:lnT cap="flat" cmpd="sng" w="6350">
+                      <a:solidFill>
+                        <a:srgbClr val="000000"/>
+                      </a:solidFill>
+                      <a:prstDash val="solid"/>
+                      <a:round/>
+                      <a:headEnd len="sm" w="sm" type="none"/>
+                      <a:tailEnd len="sm" w="sm" type="none"/>
+                    </a:lnT>
+                    <a:lnB cap="flat" cmpd="sng" w="6350">
+                      <a:solidFill>
+                        <a:srgbClr val="000000"/>
+                      </a:solidFill>
+                      <a:prstDash val="solid"/>
+                      <a:round/>
+                      <a:headEnd len="sm" w="sm" type="none"/>
+                      <a:tailEnd len="sm" w="sm" type="none"/>
+                    </a:lnB>
+                  </a:tcPr>
+                </a:tc>
+                <a:tc>
+                  <a:txBody>
+                    <a:bodyPr/>
+                    <a:lstStyle/>
+                    <a:p>
+                      <a:pPr indent="0" lvl="0" marL="0" rtl="0" algn="l">
+                        <a:spcBef>
+                          <a:spcPts val="0"/>
+                        </a:spcBef>
+                        <a:spcAft>
+                          <a:spcPts val="0"/>
+                        </a:spcAft>
+                        <a:buNone/>
+                      </a:pPr>
+                      <a:r>
+                        <a:rPr lang="en" sz="700">
+                          <a:solidFill>
+                            <a:schemeClr val="dk1"/>
+                          </a:solidFill>
+                        </a:rPr>
+                        <a:t>Environmental Mastery</a:t>
+                      </a:r>
+                      <a:endParaRPr sz="700">
+                        <a:solidFill>
+                          <a:schemeClr val="dk1"/>
+                        </a:solidFill>
+                      </a:endParaRPr>
+                    </a:p>
+                  </a:txBody>
+                  <a:tcPr marT="63500" marB="63500" marR="63500" marL="63500">
+                    <a:lnL cap="flat" cmpd="sng" w="6350">
+                      <a:solidFill>
+                        <a:srgbClr val="000000"/>
+                      </a:solidFill>
+                      <a:prstDash val="solid"/>
+                      <a:round/>
+                      <a:headEnd len="sm" w="sm" type="none"/>
+                      <a:tailEnd len="sm" w="sm" type="none"/>
+                    </a:lnL>
+                    <a:lnR cap="flat" cmpd="sng" w="6350">
+                      <a:solidFill>
+                        <a:srgbClr val="000000"/>
+                      </a:solidFill>
+                      <a:prstDash val="solid"/>
+                      <a:round/>
+                      <a:headEnd len="sm" w="sm" type="none"/>
+                      <a:tailEnd len="sm" w="sm" type="none"/>
+                    </a:lnR>
+                    <a:lnT cap="flat" cmpd="sng" w="6350">
+                      <a:solidFill>
+                        <a:srgbClr val="000000"/>
+                      </a:solidFill>
+                      <a:prstDash val="solid"/>
+                      <a:round/>
+                      <a:headEnd len="sm" w="sm" type="none"/>
+                      <a:tailEnd len="sm" w="sm" type="none"/>
+                    </a:lnT>
+                    <a:lnB cap="flat" cmpd="sng" w="6350">
+                      <a:solidFill>
+                        <a:srgbClr val="000000"/>
+                      </a:solidFill>
+                      <a:prstDash val="solid"/>
+                      <a:round/>
+                      <a:headEnd len="sm" w="sm" type="none"/>
+                      <a:tailEnd len="sm" w="sm" type="none"/>
+                    </a:lnB>
+                  </a:tcPr>
+                </a:tc>
+                <a:tc>
+                  <a:txBody>
+                    <a:bodyPr/>
+                    <a:lstStyle/>
+                    <a:p>
+                      <a:pPr indent="0" lvl="0" marL="0" rtl="0" algn="l">
+                        <a:spcBef>
+                          <a:spcPts val="0"/>
+                        </a:spcBef>
+                        <a:spcAft>
+                          <a:spcPts val="0"/>
+                        </a:spcAft>
+                        <a:buNone/>
+                      </a:pPr>
+                      <a:r>
+                        <a:rPr lang="en" sz="700">
+                          <a:solidFill>
+                            <a:schemeClr val="dk1"/>
+                          </a:solidFill>
+                        </a:rPr>
+                        <a:t>Feeling productive suggests a sense of control and effectiveness in managing one’s environment.</a:t>
+                      </a:r>
+                      <a:endParaRPr sz="700">
+                        <a:solidFill>
+                          <a:schemeClr val="dk1"/>
+                        </a:solidFill>
+                      </a:endParaRPr>
+                    </a:p>
+                  </a:txBody>
+                  <a:tcPr marT="63500" marB="63500" marR="63500" marL="63500">
+                    <a:lnL cap="flat" cmpd="sng" w="6350">
+                      <a:solidFill>
+                        <a:srgbClr val="000000"/>
+                      </a:solidFill>
+                      <a:prstDash val="solid"/>
+                      <a:round/>
+                      <a:headEnd len="sm" w="sm" type="none"/>
+                      <a:tailEnd len="sm" w="sm" type="none"/>
+                    </a:lnL>
+                    <a:lnR cap="flat" cmpd="sng" w="6350">
+                      <a:solidFill>
+                        <a:srgbClr val="000000"/>
+                      </a:solidFill>
+                      <a:prstDash val="solid"/>
+                      <a:round/>
+                      <a:headEnd len="sm" w="sm" type="none"/>
+                      <a:tailEnd len="sm" w="sm" type="none"/>
+                    </a:lnR>
+                    <a:lnT cap="flat" cmpd="sng" w="6350">
+                      <a:solidFill>
+                        <a:srgbClr val="000000"/>
+                      </a:solidFill>
+                      <a:prstDash val="solid"/>
+                      <a:round/>
+                      <a:headEnd len="sm" w="sm" type="none"/>
+                      <a:tailEnd len="sm" w="sm" type="none"/>
+                    </a:lnT>
+                    <a:lnB cap="flat" cmpd="sng" w="6350">
+                      <a:solidFill>
+                        <a:srgbClr val="000000"/>
+                      </a:solidFill>
+                      <a:prstDash val="solid"/>
+                      <a:round/>
+                      <a:headEnd len="sm" w="sm" type="none"/>
+                      <a:tailEnd len="sm" w="sm" type="none"/>
+                    </a:lnB>
+                  </a:tcPr>
+                </a:tc>
+              </a:tr>
+              <a:tr h="491725">
+                <a:tc>
+                  <a:txBody>
+                    <a:bodyPr/>
+                    <a:lstStyle/>
+                    <a:p>
+                      <a:pPr indent="0" lvl="0" marL="0" rtl="0" algn="l">
+                        <a:spcBef>
+                          <a:spcPts val="0"/>
+                        </a:spcBef>
+                        <a:spcAft>
+                          <a:spcPts val="0"/>
+                        </a:spcAft>
+                        <a:buNone/>
+                      </a:pPr>
+                      <a:r>
+                        <a:rPr lang="en" sz="700">
+                          <a:solidFill>
+                            <a:schemeClr val="dk1"/>
+                          </a:solidFill>
+                        </a:rPr>
+                        <a:t>Do you believe overuse of AI can negatively affect mental health or problem-solving skills?</a:t>
+                      </a:r>
+                      <a:endParaRPr sz="700">
+                        <a:solidFill>
+                          <a:schemeClr val="dk1"/>
+                        </a:solidFill>
+                      </a:endParaRPr>
+                    </a:p>
+                  </a:txBody>
+                  <a:tcPr marT="63500" marB="63500" marR="63500" marL="63500">
+                    <a:lnL cap="flat" cmpd="sng" w="6350">
+                      <a:solidFill>
+                        <a:srgbClr val="000000"/>
+                      </a:solidFill>
+                      <a:prstDash val="solid"/>
+                      <a:round/>
+                      <a:headEnd len="sm" w="sm" type="none"/>
+                      <a:tailEnd len="sm" w="sm" type="none"/>
+                    </a:lnL>
+                    <a:lnR cap="flat" cmpd="sng" w="6350">
+                      <a:solidFill>
+                        <a:srgbClr val="000000"/>
+                      </a:solidFill>
+                      <a:prstDash val="solid"/>
+                      <a:round/>
+                      <a:headEnd len="sm" w="sm" type="none"/>
+                      <a:tailEnd len="sm" w="sm" type="none"/>
+                    </a:lnR>
+                    <a:lnT cap="flat" cmpd="sng" w="6350">
+                      <a:solidFill>
+                        <a:srgbClr val="000000"/>
+                      </a:solidFill>
+                      <a:prstDash val="solid"/>
+                      <a:round/>
+                      <a:headEnd len="sm" w="sm" type="none"/>
+                      <a:tailEnd len="sm" w="sm" type="none"/>
+                    </a:lnT>
+                    <a:lnB cap="flat" cmpd="sng" w="6350">
+                      <a:solidFill>
+                        <a:srgbClr val="000000"/>
+                      </a:solidFill>
+                      <a:prstDash val="solid"/>
+                      <a:round/>
+                      <a:headEnd len="sm" w="sm" type="none"/>
+                      <a:tailEnd len="sm" w="sm" type="none"/>
+                    </a:lnB>
+                  </a:tcPr>
+                </a:tc>
+                <a:tc>
+                  <a:txBody>
+                    <a:bodyPr/>
+                    <a:lstStyle/>
+                    <a:p>
+                      <a:pPr indent="0" lvl="0" marL="0" rtl="0" algn="l">
+                        <a:spcBef>
+                          <a:spcPts val="0"/>
+                        </a:spcBef>
+                        <a:spcAft>
+                          <a:spcPts val="0"/>
+                        </a:spcAft>
+                        <a:buNone/>
+                      </a:pPr>
+                      <a:r>
+                        <a:rPr lang="en" sz="700">
+                          <a:solidFill>
+                            <a:schemeClr val="dk1"/>
+                          </a:solidFill>
+                        </a:rPr>
+                        <a:t>Personal Growth / Autonomy</a:t>
+                      </a:r>
+                      <a:endParaRPr sz="700">
+                        <a:solidFill>
+                          <a:schemeClr val="dk1"/>
+                        </a:solidFill>
+                      </a:endParaRPr>
+                    </a:p>
+                  </a:txBody>
+                  <a:tcPr marT="63500" marB="63500" marR="63500" marL="63500">
+                    <a:lnL cap="flat" cmpd="sng" w="6350">
+                      <a:solidFill>
+                        <a:srgbClr val="000000"/>
+                      </a:solidFill>
+                      <a:prstDash val="solid"/>
+                      <a:round/>
+                      <a:headEnd len="sm" w="sm" type="none"/>
+                      <a:tailEnd len="sm" w="sm" type="none"/>
+                    </a:lnL>
+                    <a:lnR cap="flat" cmpd="sng" w="6350">
+                      <a:solidFill>
+                        <a:srgbClr val="000000"/>
+                      </a:solidFill>
+                      <a:prstDash val="solid"/>
+                      <a:round/>
+                      <a:headEnd len="sm" w="sm" type="none"/>
+                      <a:tailEnd len="sm" w="sm" type="none"/>
+                    </a:lnR>
+                    <a:lnT cap="flat" cmpd="sng" w="6350">
+                      <a:solidFill>
+                        <a:srgbClr val="000000"/>
+                      </a:solidFill>
+                      <a:prstDash val="solid"/>
+                      <a:round/>
+                      <a:headEnd len="sm" w="sm" type="none"/>
+                      <a:tailEnd len="sm" w="sm" type="none"/>
+                    </a:lnT>
+                    <a:lnB cap="flat" cmpd="sng" w="6350">
+                      <a:solidFill>
+                        <a:srgbClr val="000000"/>
+                      </a:solidFill>
+                      <a:prstDash val="solid"/>
+                      <a:round/>
+                      <a:headEnd len="sm" w="sm" type="none"/>
+                      <a:tailEnd len="sm" w="sm" type="none"/>
+                    </a:lnB>
+                  </a:tcPr>
+                </a:tc>
+                <a:tc>
+                  <a:txBody>
+                    <a:bodyPr/>
+                    <a:lstStyle/>
+                    <a:p>
+                      <a:pPr indent="0" lvl="0" marL="0" rtl="0" algn="l">
+                        <a:spcBef>
+                          <a:spcPts val="0"/>
+                        </a:spcBef>
+                        <a:spcAft>
+                          <a:spcPts val="0"/>
+                        </a:spcAft>
+                        <a:buNone/>
+                      </a:pPr>
+                      <a:r>
+                        <a:rPr lang="en" sz="700">
+                          <a:solidFill>
+                            <a:schemeClr val="dk1"/>
+                          </a:solidFill>
+                        </a:rPr>
+                        <a:t>Questioning overuse implies self-reflection and awareness of one’s personal development.</a:t>
+                      </a:r>
+                      <a:endParaRPr sz="700">
+                        <a:solidFill>
+                          <a:schemeClr val="dk1"/>
+                        </a:solidFill>
+                      </a:endParaRPr>
+                    </a:p>
+                  </a:txBody>
+                  <a:tcPr marT="63500" marB="63500" marR="63500" marL="63500">
+                    <a:lnL cap="flat" cmpd="sng" w="6350">
+                      <a:solidFill>
+                        <a:srgbClr val="000000"/>
+                      </a:solidFill>
+                      <a:prstDash val="solid"/>
+                      <a:round/>
+                      <a:headEnd len="sm" w="sm" type="none"/>
+                      <a:tailEnd len="sm" w="sm" type="none"/>
+                    </a:lnL>
+                    <a:lnR cap="flat" cmpd="sng" w="6350">
+                      <a:solidFill>
+                        <a:srgbClr val="000000"/>
+                      </a:solidFill>
+                      <a:prstDash val="solid"/>
+                      <a:round/>
+                      <a:headEnd len="sm" w="sm" type="none"/>
+                      <a:tailEnd len="sm" w="sm" type="none"/>
+                    </a:lnR>
+                    <a:lnT cap="flat" cmpd="sng" w="6350">
+                      <a:solidFill>
+                        <a:srgbClr val="000000"/>
+                      </a:solidFill>
+                      <a:prstDash val="solid"/>
+                      <a:round/>
+                      <a:headEnd len="sm" w="sm" type="none"/>
+                      <a:tailEnd len="sm" w="sm" type="none"/>
+                    </a:lnT>
+                    <a:lnB cap="flat" cmpd="sng" w="6350">
+                      <a:solidFill>
+                        <a:srgbClr val="000000"/>
+                      </a:solidFill>
+                      <a:prstDash val="solid"/>
+                      <a:round/>
+                      <a:headEnd len="sm" w="sm" type="none"/>
+                      <a:tailEnd len="sm" w="sm" type="none"/>
+                    </a:lnB>
+                  </a:tcPr>
+                </a:tc>
+              </a:tr>
+              <a:tr h="360275">
+                <a:tc>
+                  <a:txBody>
+                    <a:bodyPr/>
+                    <a:lstStyle/>
+                    <a:p>
+                      <a:pPr indent="0" lvl="0" marL="0" rtl="0" algn="l">
+                        <a:spcBef>
+                          <a:spcPts val="0"/>
+                        </a:spcBef>
+                        <a:spcAft>
+                          <a:spcPts val="0"/>
+                        </a:spcAft>
+                        <a:buNone/>
+                      </a:pPr>
+                      <a:r>
+                        <a:rPr lang="en" sz="700">
+                          <a:solidFill>
+                            <a:schemeClr val="dk1"/>
+                          </a:solidFill>
+                        </a:rPr>
+                        <a:t>Do you know someone that uses AI as a conversational partner?</a:t>
+                      </a:r>
+                      <a:endParaRPr sz="700">
+                        <a:solidFill>
+                          <a:schemeClr val="dk1"/>
+                        </a:solidFill>
+                      </a:endParaRPr>
+                    </a:p>
+                  </a:txBody>
+                  <a:tcPr marT="63500" marB="63500" marR="63500" marL="63500">
+                    <a:lnL cap="flat" cmpd="sng" w="6350">
+                      <a:solidFill>
+                        <a:srgbClr val="000000"/>
+                      </a:solidFill>
+                      <a:prstDash val="solid"/>
+                      <a:round/>
+                      <a:headEnd len="sm" w="sm" type="none"/>
+                      <a:tailEnd len="sm" w="sm" type="none"/>
+                    </a:lnL>
+                    <a:lnR cap="flat" cmpd="sng" w="6350">
+                      <a:solidFill>
+                        <a:srgbClr val="000000"/>
+                      </a:solidFill>
+                      <a:prstDash val="solid"/>
+                      <a:round/>
+                      <a:headEnd len="sm" w="sm" type="none"/>
+                      <a:tailEnd len="sm" w="sm" type="none"/>
+                    </a:lnR>
+                    <a:lnT cap="flat" cmpd="sng" w="6350">
+                      <a:solidFill>
+                        <a:srgbClr val="000000"/>
+                      </a:solidFill>
+                      <a:prstDash val="solid"/>
+                      <a:round/>
+                      <a:headEnd len="sm" w="sm" type="none"/>
+                      <a:tailEnd len="sm" w="sm" type="none"/>
+                    </a:lnT>
+                    <a:lnB cap="flat" cmpd="sng" w="6350">
+                      <a:solidFill>
+                        <a:srgbClr val="000000"/>
+                      </a:solidFill>
+                      <a:prstDash val="solid"/>
+                      <a:round/>
+                      <a:headEnd len="sm" w="sm" type="none"/>
+                      <a:tailEnd len="sm" w="sm" type="none"/>
+                    </a:lnB>
+                  </a:tcPr>
+                </a:tc>
+                <a:tc>
+                  <a:txBody>
+                    <a:bodyPr/>
+                    <a:lstStyle/>
+                    <a:p>
+                      <a:pPr indent="0" lvl="0" marL="0" rtl="0" algn="l">
+                        <a:spcBef>
+                          <a:spcPts val="0"/>
+                        </a:spcBef>
+                        <a:spcAft>
+                          <a:spcPts val="0"/>
+                        </a:spcAft>
+                        <a:buNone/>
+                      </a:pPr>
+                      <a:r>
+                        <a:rPr lang="en" sz="700">
+                          <a:solidFill>
+                            <a:schemeClr val="dk1"/>
+                          </a:solidFill>
+                        </a:rPr>
+                        <a:t>Positive Relations with Others</a:t>
+                      </a:r>
+                      <a:endParaRPr sz="700">
+                        <a:solidFill>
+                          <a:schemeClr val="dk1"/>
+                        </a:solidFill>
+                      </a:endParaRPr>
+                    </a:p>
+                  </a:txBody>
+                  <a:tcPr marT="63500" marB="63500" marR="63500" marL="63500">
+                    <a:lnL cap="flat" cmpd="sng" w="6350">
+                      <a:solidFill>
+                        <a:srgbClr val="000000"/>
+                      </a:solidFill>
+                      <a:prstDash val="solid"/>
+                      <a:round/>
+                      <a:headEnd len="sm" w="sm" type="none"/>
+                      <a:tailEnd len="sm" w="sm" type="none"/>
+                    </a:lnL>
+                    <a:lnR cap="flat" cmpd="sng" w="6350">
+                      <a:solidFill>
+                        <a:srgbClr val="000000"/>
+                      </a:solidFill>
+                      <a:prstDash val="solid"/>
+                      <a:round/>
+                      <a:headEnd len="sm" w="sm" type="none"/>
+                      <a:tailEnd len="sm" w="sm" type="none"/>
+                    </a:lnR>
+                    <a:lnT cap="flat" cmpd="sng" w="6350">
+                      <a:solidFill>
+                        <a:srgbClr val="000000"/>
+                      </a:solidFill>
+                      <a:prstDash val="solid"/>
+                      <a:round/>
+                      <a:headEnd len="sm" w="sm" type="none"/>
+                      <a:tailEnd len="sm" w="sm" type="none"/>
+                    </a:lnT>
+                    <a:lnB cap="flat" cmpd="sng" w="6350">
+                      <a:solidFill>
+                        <a:srgbClr val="000000"/>
+                      </a:solidFill>
+                      <a:prstDash val="solid"/>
+                      <a:round/>
+                      <a:headEnd len="sm" w="sm" type="none"/>
+                      <a:tailEnd len="sm" w="sm" type="none"/>
+                    </a:lnB>
+                  </a:tcPr>
+                </a:tc>
+                <a:tc>
+                  <a:txBody>
+                    <a:bodyPr/>
+                    <a:lstStyle/>
+                    <a:p>
+                      <a:pPr indent="0" lvl="0" marL="0" rtl="0" algn="l">
+                        <a:spcBef>
+                          <a:spcPts val="0"/>
+                        </a:spcBef>
+                        <a:spcAft>
+                          <a:spcPts val="0"/>
+                        </a:spcAft>
+                        <a:buNone/>
+                      </a:pPr>
+                      <a:r>
+                        <a:rPr lang="en" sz="700">
+                          <a:solidFill>
+                            <a:schemeClr val="dk1"/>
+                          </a:solidFill>
+                        </a:rPr>
+                        <a:t>Relates to how others use technology for interpersonal connection.</a:t>
+                      </a:r>
+                      <a:endParaRPr sz="700">
+                        <a:solidFill>
+                          <a:schemeClr val="dk1"/>
+                        </a:solidFill>
+                      </a:endParaRPr>
+                    </a:p>
+                  </a:txBody>
+                  <a:tcPr marT="63500" marB="63500" marR="63500" marL="63500">
+                    <a:lnL cap="flat" cmpd="sng" w="6350">
+                      <a:solidFill>
+                        <a:srgbClr val="000000"/>
+                      </a:solidFill>
+                      <a:prstDash val="solid"/>
+                      <a:round/>
+                      <a:headEnd len="sm" w="sm" type="none"/>
+                      <a:tailEnd len="sm" w="sm" type="none"/>
+                    </a:lnL>
+                    <a:lnR cap="flat" cmpd="sng" w="6350">
+                      <a:solidFill>
+                        <a:srgbClr val="000000"/>
+                      </a:solidFill>
+                      <a:prstDash val="solid"/>
+                      <a:round/>
+                      <a:headEnd len="sm" w="sm" type="none"/>
+                      <a:tailEnd len="sm" w="sm" type="none"/>
+                    </a:lnR>
+                    <a:lnT cap="flat" cmpd="sng" w="6350">
+                      <a:solidFill>
+                        <a:srgbClr val="000000"/>
+                      </a:solidFill>
+                      <a:prstDash val="solid"/>
+                      <a:round/>
+                      <a:headEnd len="sm" w="sm" type="none"/>
+                      <a:tailEnd len="sm" w="sm" type="none"/>
+                    </a:lnT>
+                    <a:lnB cap="flat" cmpd="sng" w="6350">
+                      <a:solidFill>
+                        <a:srgbClr val="000000"/>
+                      </a:solidFill>
+                      <a:prstDash val="solid"/>
+                      <a:round/>
+                      <a:headEnd len="sm" w="sm" type="none"/>
+                      <a:tailEnd len="sm" w="sm" type="none"/>
+                    </a:lnB>
+                  </a:tcPr>
+                </a:tc>
+              </a:tr>
+              <a:tr h="360275">
+                <a:tc>
+                  <a:txBody>
+                    <a:bodyPr/>
+                    <a:lstStyle/>
+                    <a:p>
+                      <a:pPr indent="0" lvl="0" marL="0" rtl="0" algn="l">
+                        <a:spcBef>
+                          <a:spcPts val="0"/>
+                        </a:spcBef>
+                        <a:spcAft>
+                          <a:spcPts val="0"/>
+                        </a:spcAft>
+                        <a:buNone/>
+                      </a:pPr>
+                      <a:r>
+                        <a:rPr lang="en" sz="700">
+                          <a:solidFill>
+                            <a:schemeClr val="dk1"/>
+                          </a:solidFill>
+                        </a:rPr>
+                        <a:t>I feel more confident in solving problems on my own without AI assistance.</a:t>
+                      </a:r>
+                      <a:endParaRPr sz="700">
+                        <a:solidFill>
+                          <a:schemeClr val="dk1"/>
+                        </a:solidFill>
+                      </a:endParaRPr>
+                    </a:p>
+                  </a:txBody>
+                  <a:tcPr marT="63500" marB="63500" marR="63500" marL="63500">
+                    <a:lnL cap="flat" cmpd="sng" w="6350">
+                      <a:solidFill>
+                        <a:srgbClr val="000000"/>
+                      </a:solidFill>
+                      <a:prstDash val="solid"/>
+                      <a:round/>
+                      <a:headEnd len="sm" w="sm" type="none"/>
+                      <a:tailEnd len="sm" w="sm" type="none"/>
+                    </a:lnL>
+                    <a:lnR cap="flat" cmpd="sng" w="6350">
+                      <a:solidFill>
+                        <a:srgbClr val="000000"/>
+                      </a:solidFill>
+                      <a:prstDash val="solid"/>
+                      <a:round/>
+                      <a:headEnd len="sm" w="sm" type="none"/>
+                      <a:tailEnd len="sm" w="sm" type="none"/>
+                    </a:lnR>
+                    <a:lnT cap="flat" cmpd="sng" w="6350">
+                      <a:solidFill>
+                        <a:srgbClr val="000000"/>
+                      </a:solidFill>
+                      <a:prstDash val="solid"/>
+                      <a:round/>
+                      <a:headEnd len="sm" w="sm" type="none"/>
+                      <a:tailEnd len="sm" w="sm" type="none"/>
+                    </a:lnT>
+                    <a:lnB cap="flat" cmpd="sng" w="6350">
+                      <a:solidFill>
+                        <a:srgbClr val="000000"/>
+                      </a:solidFill>
+                      <a:prstDash val="solid"/>
+                      <a:round/>
+                      <a:headEnd len="sm" w="sm" type="none"/>
+                      <a:tailEnd len="sm" w="sm" type="none"/>
+                    </a:lnB>
+                  </a:tcPr>
+                </a:tc>
+                <a:tc>
+                  <a:txBody>
+                    <a:bodyPr/>
+                    <a:lstStyle/>
+                    <a:p>
+                      <a:pPr indent="0" lvl="0" marL="0" rtl="0" algn="l">
+                        <a:spcBef>
+                          <a:spcPts val="0"/>
+                        </a:spcBef>
+                        <a:spcAft>
+                          <a:spcPts val="0"/>
+                        </a:spcAft>
+                        <a:buNone/>
+                      </a:pPr>
+                      <a:r>
+                        <a:rPr lang="en" sz="700">
+                          <a:solidFill>
+                            <a:schemeClr val="dk1"/>
+                          </a:solidFill>
+                        </a:rPr>
+                        <a:t>Autonomy / Environmental Mastery</a:t>
+                      </a:r>
+                      <a:endParaRPr sz="700">
+                        <a:solidFill>
+                          <a:schemeClr val="dk1"/>
+                        </a:solidFill>
+                      </a:endParaRPr>
+                    </a:p>
+                  </a:txBody>
+                  <a:tcPr marT="63500" marB="63500" marR="63500" marL="63500">
+                    <a:lnL cap="flat" cmpd="sng" w="6350">
+                      <a:solidFill>
+                        <a:srgbClr val="000000"/>
+                      </a:solidFill>
+                      <a:prstDash val="solid"/>
+                      <a:round/>
+                      <a:headEnd len="sm" w="sm" type="none"/>
+                      <a:tailEnd len="sm" w="sm" type="none"/>
+                    </a:lnL>
+                    <a:lnR cap="flat" cmpd="sng" w="6350">
+                      <a:solidFill>
+                        <a:srgbClr val="000000"/>
+                      </a:solidFill>
+                      <a:prstDash val="solid"/>
+                      <a:round/>
+                      <a:headEnd len="sm" w="sm" type="none"/>
+                      <a:tailEnd len="sm" w="sm" type="none"/>
+                    </a:lnR>
+                    <a:lnT cap="flat" cmpd="sng" w="6350">
+                      <a:solidFill>
+                        <a:srgbClr val="000000"/>
+                      </a:solidFill>
+                      <a:prstDash val="solid"/>
+                      <a:round/>
+                      <a:headEnd len="sm" w="sm" type="none"/>
+                      <a:tailEnd len="sm" w="sm" type="none"/>
+                    </a:lnT>
+                    <a:lnB cap="flat" cmpd="sng" w="6350">
+                      <a:solidFill>
+                        <a:srgbClr val="000000"/>
+                      </a:solidFill>
+                      <a:prstDash val="solid"/>
+                      <a:round/>
+                      <a:headEnd len="sm" w="sm" type="none"/>
+                      <a:tailEnd len="sm" w="sm" type="none"/>
+                    </a:lnB>
+                  </a:tcPr>
+                </a:tc>
+                <a:tc>
+                  <a:txBody>
+                    <a:bodyPr/>
+                    <a:lstStyle/>
+                    <a:p>
+                      <a:pPr indent="0" lvl="0" marL="0" rtl="0" algn="l">
+                        <a:spcBef>
+                          <a:spcPts val="0"/>
+                        </a:spcBef>
+                        <a:spcAft>
+                          <a:spcPts val="0"/>
+                        </a:spcAft>
+                        <a:buNone/>
+                      </a:pPr>
+                      <a:r>
+                        <a:rPr lang="en" sz="700">
+                          <a:solidFill>
+                            <a:schemeClr val="dk1"/>
+                          </a:solidFill>
+                        </a:rPr>
+                        <a:t>Evaluates independence and confidence in one’s own abilities.</a:t>
+                      </a:r>
+                      <a:endParaRPr sz="700">
+                        <a:solidFill>
+                          <a:schemeClr val="dk1"/>
+                        </a:solidFill>
+                      </a:endParaRPr>
+                    </a:p>
+                  </a:txBody>
+                  <a:tcPr marT="63500" marB="63500" marR="63500" marL="63500">
+                    <a:lnL cap="flat" cmpd="sng" w="6350">
+                      <a:solidFill>
+                        <a:srgbClr val="000000"/>
+                      </a:solidFill>
+                      <a:prstDash val="solid"/>
+                      <a:round/>
+                      <a:headEnd len="sm" w="sm" type="none"/>
+                      <a:tailEnd len="sm" w="sm" type="none"/>
+                    </a:lnL>
+                    <a:lnR cap="flat" cmpd="sng" w="6350">
+                      <a:solidFill>
+                        <a:srgbClr val="000000"/>
+                      </a:solidFill>
+                      <a:prstDash val="solid"/>
+                      <a:round/>
+                      <a:headEnd len="sm" w="sm" type="none"/>
+                      <a:tailEnd len="sm" w="sm" type="none"/>
+                    </a:lnR>
+                    <a:lnT cap="flat" cmpd="sng" w="6350">
+                      <a:solidFill>
+                        <a:srgbClr val="000000"/>
+                      </a:solidFill>
+                      <a:prstDash val="solid"/>
+                      <a:round/>
+                      <a:headEnd len="sm" w="sm" type="none"/>
+                      <a:tailEnd len="sm" w="sm" type="none"/>
+                    </a:lnT>
+                    <a:lnB cap="flat" cmpd="sng" w="6350">
+                      <a:solidFill>
+                        <a:srgbClr val="000000"/>
+                      </a:solidFill>
+                      <a:prstDash val="solid"/>
+                      <a:round/>
+                      <a:headEnd len="sm" w="sm" type="none"/>
+                      <a:tailEnd len="sm" w="sm" type="none"/>
+                    </a:lnB>
+                  </a:tcPr>
+                </a:tc>
+              </a:tr>
+              <a:tr h="360275">
+                <a:tc>
+                  <a:txBody>
+                    <a:bodyPr/>
+                    <a:lstStyle/>
+                    <a:p>
+                      <a:pPr indent="0" lvl="0" marL="0" rtl="0" algn="l">
+                        <a:spcBef>
+                          <a:spcPts val="0"/>
+                        </a:spcBef>
+                        <a:spcAft>
+                          <a:spcPts val="0"/>
+                        </a:spcAft>
+                        <a:buNone/>
+                      </a:pPr>
+                      <a:r>
+                        <a:rPr lang="en" sz="700">
+                          <a:solidFill>
+                            <a:schemeClr val="dk1"/>
+                          </a:solidFill>
+                        </a:rPr>
+                        <a:t>Using AI makes me feel mentally lazy.</a:t>
+                      </a:r>
+                      <a:endParaRPr sz="700">
+                        <a:solidFill>
+                          <a:schemeClr val="dk1"/>
+                        </a:solidFill>
+                      </a:endParaRPr>
+                    </a:p>
+                  </a:txBody>
+                  <a:tcPr marT="63500" marB="63500" marR="63500" marL="63500">
+                    <a:lnL cap="flat" cmpd="sng" w="6350">
+                      <a:solidFill>
+                        <a:srgbClr val="000000"/>
+                      </a:solidFill>
+                      <a:prstDash val="solid"/>
+                      <a:round/>
+                      <a:headEnd len="sm" w="sm" type="none"/>
+                      <a:tailEnd len="sm" w="sm" type="none"/>
+                    </a:lnL>
+                    <a:lnR cap="flat" cmpd="sng" w="6350">
+                      <a:solidFill>
+                        <a:srgbClr val="000000"/>
+                      </a:solidFill>
+                      <a:prstDash val="solid"/>
+                      <a:round/>
+                      <a:headEnd len="sm" w="sm" type="none"/>
+                      <a:tailEnd len="sm" w="sm" type="none"/>
+                    </a:lnR>
+                    <a:lnT cap="flat" cmpd="sng" w="6350">
+                      <a:solidFill>
+                        <a:srgbClr val="000000"/>
+                      </a:solidFill>
+                      <a:prstDash val="solid"/>
+                      <a:round/>
+                      <a:headEnd len="sm" w="sm" type="none"/>
+                      <a:tailEnd len="sm" w="sm" type="none"/>
+                    </a:lnT>
+                    <a:lnB cap="flat" cmpd="sng" w="6350">
+                      <a:solidFill>
+                        <a:srgbClr val="000000"/>
+                      </a:solidFill>
+                      <a:prstDash val="solid"/>
+                      <a:round/>
+                      <a:headEnd len="sm" w="sm" type="none"/>
+                      <a:tailEnd len="sm" w="sm" type="none"/>
+                    </a:lnB>
+                  </a:tcPr>
+                </a:tc>
+                <a:tc>
+                  <a:txBody>
+                    <a:bodyPr/>
+                    <a:lstStyle/>
+                    <a:p>
+                      <a:pPr indent="0" lvl="0" marL="0" rtl="0" algn="l">
+                        <a:spcBef>
+                          <a:spcPts val="0"/>
+                        </a:spcBef>
+                        <a:spcAft>
+                          <a:spcPts val="0"/>
+                        </a:spcAft>
+                        <a:buNone/>
+                      </a:pPr>
+                      <a:r>
+                        <a:rPr lang="en" sz="700">
+                          <a:solidFill>
+                            <a:schemeClr val="dk1"/>
+                          </a:solidFill>
+                        </a:rPr>
+                        <a:t>Personal Growth / Autonomy</a:t>
+                      </a:r>
+                      <a:endParaRPr sz="700">
+                        <a:solidFill>
+                          <a:schemeClr val="dk1"/>
+                        </a:solidFill>
+                      </a:endParaRPr>
+                    </a:p>
+                  </a:txBody>
+                  <a:tcPr marT="63500" marB="63500" marR="63500" marL="63500">
+                    <a:lnL cap="flat" cmpd="sng" w="6350">
+                      <a:solidFill>
+                        <a:srgbClr val="000000"/>
+                      </a:solidFill>
+                      <a:prstDash val="solid"/>
+                      <a:round/>
+                      <a:headEnd len="sm" w="sm" type="none"/>
+                      <a:tailEnd len="sm" w="sm" type="none"/>
+                    </a:lnL>
+                    <a:lnR cap="flat" cmpd="sng" w="6350">
+                      <a:solidFill>
+                        <a:srgbClr val="000000"/>
+                      </a:solidFill>
+                      <a:prstDash val="solid"/>
+                      <a:round/>
+                      <a:headEnd len="sm" w="sm" type="none"/>
+                      <a:tailEnd len="sm" w="sm" type="none"/>
+                    </a:lnR>
+                    <a:lnT cap="flat" cmpd="sng" w="6350">
+                      <a:solidFill>
+                        <a:srgbClr val="000000"/>
+                      </a:solidFill>
+                      <a:prstDash val="solid"/>
+                      <a:round/>
+                      <a:headEnd len="sm" w="sm" type="none"/>
+                      <a:tailEnd len="sm" w="sm" type="none"/>
+                    </a:lnT>
+                    <a:lnB cap="flat" cmpd="sng" w="6350">
+                      <a:solidFill>
+                        <a:srgbClr val="000000"/>
+                      </a:solidFill>
+                      <a:prstDash val="solid"/>
+                      <a:round/>
+                      <a:headEnd len="sm" w="sm" type="none"/>
+                      <a:tailEnd len="sm" w="sm" type="none"/>
+                    </a:lnB>
+                  </a:tcPr>
+                </a:tc>
+                <a:tc>
+                  <a:txBody>
+                    <a:bodyPr/>
+                    <a:lstStyle/>
+                    <a:p>
+                      <a:pPr indent="0" lvl="0" marL="0" rtl="0" algn="l">
+                        <a:spcBef>
+                          <a:spcPts val="0"/>
+                        </a:spcBef>
+                        <a:spcAft>
+                          <a:spcPts val="0"/>
+                        </a:spcAft>
+                        <a:buNone/>
+                      </a:pPr>
+                      <a:r>
+                        <a:rPr lang="en" sz="700">
+                          <a:solidFill>
+                            <a:schemeClr val="dk1"/>
+                          </a:solidFill>
+                        </a:rPr>
+                        <a:t>Suggests a perception of stagnation or technological dependence.</a:t>
+                      </a:r>
+                      <a:endParaRPr sz="700">
+                        <a:solidFill>
+                          <a:schemeClr val="dk1"/>
+                        </a:solidFill>
+                      </a:endParaRPr>
+                    </a:p>
+                  </a:txBody>
+                  <a:tcPr marT="63500" marB="63500" marR="63500" marL="63500">
+                    <a:lnL cap="flat" cmpd="sng" w="6350">
+                      <a:solidFill>
+                        <a:srgbClr val="000000"/>
+                      </a:solidFill>
+                      <a:prstDash val="solid"/>
+                      <a:round/>
+                      <a:headEnd len="sm" w="sm" type="none"/>
+                      <a:tailEnd len="sm" w="sm" type="none"/>
+                    </a:lnL>
+                    <a:lnR cap="flat" cmpd="sng" w="6350">
+                      <a:solidFill>
+                        <a:srgbClr val="000000"/>
+                      </a:solidFill>
+                      <a:prstDash val="solid"/>
+                      <a:round/>
+                      <a:headEnd len="sm" w="sm" type="none"/>
+                      <a:tailEnd len="sm" w="sm" type="none"/>
+                    </a:lnR>
+                    <a:lnT cap="flat" cmpd="sng" w="6350">
+                      <a:solidFill>
+                        <a:srgbClr val="000000"/>
+                      </a:solidFill>
+                      <a:prstDash val="solid"/>
+                      <a:round/>
+                      <a:headEnd len="sm" w="sm" type="none"/>
+                      <a:tailEnd len="sm" w="sm" type="none"/>
+                    </a:lnT>
+                    <a:lnB cap="flat" cmpd="sng" w="6350">
+                      <a:solidFill>
+                        <a:srgbClr val="000000"/>
+                      </a:solidFill>
+                      <a:prstDash val="solid"/>
+                      <a:round/>
+                      <a:headEnd len="sm" w="sm" type="none"/>
+                      <a:tailEnd len="sm" w="sm" type="none"/>
+                    </a:lnB>
+                  </a:tcPr>
+                </a:tc>
+              </a:tr>
+              <a:tr h="491725">
+                <a:tc>
+                  <a:txBody>
+                    <a:bodyPr/>
+                    <a:lstStyle/>
+                    <a:p>
+                      <a:pPr indent="0" lvl="0" marL="0" rtl="0" algn="l">
+                        <a:spcBef>
+                          <a:spcPts val="0"/>
+                        </a:spcBef>
+                        <a:spcAft>
+                          <a:spcPts val="0"/>
+                        </a:spcAft>
+                        <a:buNone/>
+                      </a:pPr>
+                      <a:r>
+                        <a:rPr lang="en" sz="700">
+                          <a:solidFill>
+                            <a:schemeClr val="dk1"/>
+                          </a:solidFill>
+                        </a:rPr>
+                        <a:t>Relying on AI helps reduce my stress.</a:t>
+                      </a:r>
+                      <a:endParaRPr sz="700">
+                        <a:solidFill>
+                          <a:schemeClr val="dk1"/>
+                        </a:solidFill>
+                      </a:endParaRPr>
+                    </a:p>
+                  </a:txBody>
+                  <a:tcPr marT="63500" marB="63500" marR="63500" marL="63500">
+                    <a:lnL cap="flat" cmpd="sng" w="6350">
+                      <a:solidFill>
+                        <a:srgbClr val="000000"/>
+                      </a:solidFill>
+                      <a:prstDash val="solid"/>
+                      <a:round/>
+                      <a:headEnd len="sm" w="sm" type="none"/>
+                      <a:tailEnd len="sm" w="sm" type="none"/>
+                    </a:lnL>
+                    <a:lnR cap="flat" cmpd="sng" w="6350">
+                      <a:solidFill>
+                        <a:srgbClr val="000000"/>
+                      </a:solidFill>
+                      <a:prstDash val="solid"/>
+                      <a:round/>
+                      <a:headEnd len="sm" w="sm" type="none"/>
+                      <a:tailEnd len="sm" w="sm" type="none"/>
+                    </a:lnR>
+                    <a:lnT cap="flat" cmpd="sng" w="6350">
+                      <a:solidFill>
+                        <a:srgbClr val="000000"/>
+                      </a:solidFill>
+                      <a:prstDash val="solid"/>
+                      <a:round/>
+                      <a:headEnd len="sm" w="sm" type="none"/>
+                      <a:tailEnd len="sm" w="sm" type="none"/>
+                    </a:lnT>
+                    <a:lnB cap="flat" cmpd="sng" w="6350">
+                      <a:solidFill>
+                        <a:srgbClr val="000000"/>
+                      </a:solidFill>
+                      <a:prstDash val="solid"/>
+                      <a:round/>
+                      <a:headEnd len="sm" w="sm" type="none"/>
+                      <a:tailEnd len="sm" w="sm" type="none"/>
+                    </a:lnB>
+                  </a:tcPr>
+                </a:tc>
+                <a:tc>
+                  <a:txBody>
+                    <a:bodyPr/>
+                    <a:lstStyle/>
+                    <a:p>
+                      <a:pPr indent="0" lvl="0" marL="0" rtl="0" algn="l">
+                        <a:spcBef>
+                          <a:spcPts val="0"/>
+                        </a:spcBef>
+                        <a:spcAft>
+                          <a:spcPts val="0"/>
+                        </a:spcAft>
+                        <a:buNone/>
+                      </a:pPr>
+                      <a:r>
+                        <a:rPr lang="en" sz="700">
+                          <a:solidFill>
+                            <a:schemeClr val="dk1"/>
+                          </a:solidFill>
+                        </a:rPr>
+                        <a:t>Self-Acceptance / Environmental Mastery</a:t>
+                      </a:r>
+                      <a:endParaRPr sz="700">
+                        <a:solidFill>
+                          <a:schemeClr val="dk1"/>
+                        </a:solidFill>
+                      </a:endParaRPr>
+                    </a:p>
+                  </a:txBody>
+                  <a:tcPr marT="63500" marB="63500" marR="63500" marL="63500">
+                    <a:lnL cap="flat" cmpd="sng" w="6350">
+                      <a:solidFill>
+                        <a:srgbClr val="000000"/>
+                      </a:solidFill>
+                      <a:prstDash val="solid"/>
+                      <a:round/>
+                      <a:headEnd len="sm" w="sm" type="none"/>
+                      <a:tailEnd len="sm" w="sm" type="none"/>
+                    </a:lnL>
+                    <a:lnR cap="flat" cmpd="sng" w="6350">
+                      <a:solidFill>
+                        <a:srgbClr val="000000"/>
+                      </a:solidFill>
+                      <a:prstDash val="solid"/>
+                      <a:round/>
+                      <a:headEnd len="sm" w="sm" type="none"/>
+                      <a:tailEnd len="sm" w="sm" type="none"/>
+                    </a:lnR>
+                    <a:lnT cap="flat" cmpd="sng" w="6350">
+                      <a:solidFill>
+                        <a:srgbClr val="000000"/>
+                      </a:solidFill>
+                      <a:prstDash val="solid"/>
+                      <a:round/>
+                      <a:headEnd len="sm" w="sm" type="none"/>
+                      <a:tailEnd len="sm" w="sm" type="none"/>
+                    </a:lnT>
+                    <a:lnB cap="flat" cmpd="sng" w="6350">
+                      <a:solidFill>
+                        <a:srgbClr val="000000"/>
+                      </a:solidFill>
+                      <a:prstDash val="solid"/>
+                      <a:round/>
+                      <a:headEnd len="sm" w="sm" type="none"/>
+                      <a:tailEnd len="sm" w="sm" type="none"/>
+                    </a:lnB>
+                  </a:tcPr>
+                </a:tc>
+                <a:tc>
+                  <a:txBody>
+                    <a:bodyPr/>
+                    <a:lstStyle/>
+                    <a:p>
+                      <a:pPr indent="0" lvl="0" marL="0" rtl="0" algn="l">
+                        <a:spcBef>
+                          <a:spcPts val="0"/>
+                        </a:spcBef>
+                        <a:spcAft>
+                          <a:spcPts val="0"/>
+                        </a:spcAft>
+                        <a:buNone/>
+                      </a:pPr>
+                      <a:r>
+                        <a:rPr lang="en" sz="700">
+                          <a:solidFill>
+                            <a:schemeClr val="dk1"/>
+                          </a:solidFill>
+                        </a:rPr>
+                        <a:t>Stress reduction reflects emotional management and functional control over one’s surroundings.</a:t>
+                      </a:r>
+                      <a:endParaRPr sz="700">
+                        <a:solidFill>
+                          <a:schemeClr val="dk1"/>
+                        </a:solidFill>
+                      </a:endParaRPr>
+                    </a:p>
+                  </a:txBody>
+                  <a:tcPr marT="63500" marB="63500" marR="63500" marL="63500">
+                    <a:lnL cap="flat" cmpd="sng" w="6350">
+                      <a:solidFill>
+                        <a:srgbClr val="000000"/>
+                      </a:solidFill>
+                      <a:prstDash val="solid"/>
+                      <a:round/>
+                      <a:headEnd len="sm" w="sm" type="none"/>
+                      <a:tailEnd len="sm" w="sm" type="none"/>
+                    </a:lnL>
+                    <a:lnR cap="flat" cmpd="sng" w="6350">
+                      <a:solidFill>
+                        <a:srgbClr val="000000"/>
+                      </a:solidFill>
+                      <a:prstDash val="solid"/>
+                      <a:round/>
+                      <a:headEnd len="sm" w="sm" type="none"/>
+                      <a:tailEnd len="sm" w="sm" type="none"/>
+                    </a:lnR>
+                    <a:lnT cap="flat" cmpd="sng" w="6350">
+                      <a:solidFill>
+                        <a:srgbClr val="000000"/>
+                      </a:solidFill>
+                      <a:prstDash val="solid"/>
+                      <a:round/>
+                      <a:headEnd len="sm" w="sm" type="none"/>
+                      <a:tailEnd len="sm" w="sm" type="none"/>
+                    </a:lnT>
+                    <a:lnB cap="flat" cmpd="sng" w="6350">
+                      <a:solidFill>
+                        <a:srgbClr val="000000"/>
+                      </a:solidFill>
+                      <a:prstDash val="solid"/>
+                      <a:round/>
+                      <a:headEnd len="sm" w="sm" type="none"/>
+                      <a:tailEnd len="sm" w="sm" type="none"/>
+                    </a:lnB>
+                  </a:tcPr>
+                </a:tc>
+              </a:tr>
+              <a:tr h="360275">
+                <a:tc>
+                  <a:txBody>
+                    <a:bodyPr/>
+                    <a:lstStyle/>
+                    <a:p>
+                      <a:pPr indent="0" lvl="0" marL="0" rtl="0" algn="l">
+                        <a:spcBef>
+                          <a:spcPts val="0"/>
+                        </a:spcBef>
+                        <a:spcAft>
+                          <a:spcPts val="0"/>
+                        </a:spcAft>
+                        <a:buNone/>
+                      </a:pPr>
+                      <a:r>
+                        <a:rPr lang="en" sz="700">
+                          <a:solidFill>
+                            <a:schemeClr val="dk1"/>
+                          </a:solidFill>
+                        </a:rPr>
+                        <a:t>AI tools make me second-guess my own knowledge or decisions.</a:t>
+                      </a:r>
+                      <a:endParaRPr sz="700">
+                        <a:solidFill>
+                          <a:schemeClr val="dk1"/>
+                        </a:solidFill>
+                      </a:endParaRPr>
+                    </a:p>
+                  </a:txBody>
+                  <a:tcPr marT="63500" marB="63500" marR="63500" marL="63500">
+                    <a:lnL cap="flat" cmpd="sng" w="6350">
+                      <a:solidFill>
+                        <a:srgbClr val="000000"/>
+                      </a:solidFill>
+                      <a:prstDash val="solid"/>
+                      <a:round/>
+                      <a:headEnd len="sm" w="sm" type="none"/>
+                      <a:tailEnd len="sm" w="sm" type="none"/>
+                    </a:lnL>
+                    <a:lnR cap="flat" cmpd="sng" w="6350">
+                      <a:solidFill>
+                        <a:srgbClr val="000000"/>
+                      </a:solidFill>
+                      <a:prstDash val="solid"/>
+                      <a:round/>
+                      <a:headEnd len="sm" w="sm" type="none"/>
+                      <a:tailEnd len="sm" w="sm" type="none"/>
+                    </a:lnR>
+                    <a:lnT cap="flat" cmpd="sng" w="6350">
+                      <a:solidFill>
+                        <a:srgbClr val="000000"/>
+                      </a:solidFill>
+                      <a:prstDash val="solid"/>
+                      <a:round/>
+                      <a:headEnd len="sm" w="sm" type="none"/>
+                      <a:tailEnd len="sm" w="sm" type="none"/>
+                    </a:lnT>
+                    <a:lnB cap="flat" cmpd="sng" w="6350">
+                      <a:solidFill>
+                        <a:srgbClr val="000000"/>
+                      </a:solidFill>
+                      <a:prstDash val="solid"/>
+                      <a:round/>
+                      <a:headEnd len="sm" w="sm" type="none"/>
+                      <a:tailEnd len="sm" w="sm" type="none"/>
+                    </a:lnB>
+                  </a:tcPr>
+                </a:tc>
+                <a:tc>
+                  <a:txBody>
+                    <a:bodyPr/>
+                    <a:lstStyle/>
+                    <a:p>
+                      <a:pPr indent="0" lvl="0" marL="0" rtl="0" algn="l">
+                        <a:spcBef>
+                          <a:spcPts val="0"/>
+                        </a:spcBef>
+                        <a:spcAft>
+                          <a:spcPts val="0"/>
+                        </a:spcAft>
+                        <a:buNone/>
+                      </a:pPr>
+                      <a:r>
+                        <a:rPr lang="en" sz="700">
+                          <a:solidFill>
+                            <a:schemeClr val="dk1"/>
+                          </a:solidFill>
+                        </a:rPr>
+                        <a:t>Autonomy / Self-Acceptance</a:t>
+                      </a:r>
+                      <a:endParaRPr sz="700">
+                        <a:solidFill>
+                          <a:schemeClr val="dk1"/>
+                        </a:solidFill>
+                      </a:endParaRPr>
+                    </a:p>
+                  </a:txBody>
+                  <a:tcPr marT="63500" marB="63500" marR="63500" marL="63500">
+                    <a:lnL cap="flat" cmpd="sng" w="6350">
+                      <a:solidFill>
+                        <a:srgbClr val="000000"/>
+                      </a:solidFill>
+                      <a:prstDash val="solid"/>
+                      <a:round/>
+                      <a:headEnd len="sm" w="sm" type="none"/>
+                      <a:tailEnd len="sm" w="sm" type="none"/>
+                    </a:lnL>
+                    <a:lnR cap="flat" cmpd="sng" w="6350">
+                      <a:solidFill>
+                        <a:srgbClr val="000000"/>
+                      </a:solidFill>
+                      <a:prstDash val="solid"/>
+                      <a:round/>
+                      <a:headEnd len="sm" w="sm" type="none"/>
+                      <a:tailEnd len="sm" w="sm" type="none"/>
+                    </a:lnR>
+                    <a:lnT cap="flat" cmpd="sng" w="6350">
+                      <a:solidFill>
+                        <a:srgbClr val="000000"/>
+                      </a:solidFill>
+                      <a:prstDash val="solid"/>
+                      <a:round/>
+                      <a:headEnd len="sm" w="sm" type="none"/>
+                      <a:tailEnd len="sm" w="sm" type="none"/>
+                    </a:lnT>
+                    <a:lnB cap="flat" cmpd="sng" w="6350">
+                      <a:solidFill>
+                        <a:srgbClr val="000000"/>
+                      </a:solidFill>
+                      <a:prstDash val="solid"/>
+                      <a:round/>
+                      <a:headEnd len="sm" w="sm" type="none"/>
+                      <a:tailEnd len="sm" w="sm" type="none"/>
+                    </a:lnB>
+                  </a:tcPr>
+                </a:tc>
+                <a:tc>
+                  <a:txBody>
+                    <a:bodyPr/>
+                    <a:lstStyle/>
+                    <a:p>
+                      <a:pPr indent="0" lvl="0" marL="0" rtl="0" algn="l">
+                        <a:spcBef>
+                          <a:spcPts val="0"/>
+                        </a:spcBef>
+                        <a:spcAft>
+                          <a:spcPts val="0"/>
+                        </a:spcAft>
+                        <a:buNone/>
+                      </a:pPr>
+                      <a:r>
+                        <a:rPr lang="en" sz="700">
+                          <a:solidFill>
+                            <a:schemeClr val="dk1"/>
+                          </a:solidFill>
+                        </a:rPr>
+                        <a:t>Reflects internal questioning and one’s relationship with personal judgment.</a:t>
+                      </a:r>
+                      <a:endParaRPr sz="700">
+                        <a:solidFill>
+                          <a:schemeClr val="dk1"/>
+                        </a:solidFill>
+                      </a:endParaRPr>
+                    </a:p>
+                  </a:txBody>
+                  <a:tcPr marT="63500" marB="63500" marR="63500" marL="63500">
+                    <a:lnL cap="flat" cmpd="sng" w="6350">
+                      <a:solidFill>
+                        <a:srgbClr val="000000"/>
+                      </a:solidFill>
+                      <a:prstDash val="solid"/>
+                      <a:round/>
+                      <a:headEnd len="sm" w="sm" type="none"/>
+                      <a:tailEnd len="sm" w="sm" type="none"/>
+                    </a:lnL>
+                    <a:lnR cap="flat" cmpd="sng" w="6350">
+                      <a:solidFill>
+                        <a:srgbClr val="000000"/>
+                      </a:solidFill>
+                      <a:prstDash val="solid"/>
+                      <a:round/>
+                      <a:headEnd len="sm" w="sm" type="none"/>
+                      <a:tailEnd len="sm" w="sm" type="none"/>
+                    </a:lnR>
+                    <a:lnT cap="flat" cmpd="sng" w="6350">
+                      <a:solidFill>
+                        <a:srgbClr val="000000"/>
+                      </a:solidFill>
+                      <a:prstDash val="solid"/>
+                      <a:round/>
+                      <a:headEnd len="sm" w="sm" type="none"/>
+                      <a:tailEnd len="sm" w="sm" type="none"/>
+                    </a:lnT>
+                    <a:lnB cap="flat" cmpd="sng" w="6350">
+                      <a:solidFill>
+                        <a:srgbClr val="000000"/>
+                      </a:solidFill>
+                      <a:prstDash val="solid"/>
+                      <a:round/>
+                      <a:headEnd len="sm" w="sm" type="none"/>
+                      <a:tailEnd len="sm" w="sm" type="none"/>
+                    </a:lnB>
+                  </a:tcPr>
+                </a:tc>
+              </a:tr>
+              <a:tr h="360275">
+                <a:tc>
+                  <a:txBody>
+                    <a:bodyPr/>
+                    <a:lstStyle/>
+                    <a:p>
+                      <a:pPr indent="0" lvl="0" marL="0" rtl="0" algn="l">
+                        <a:spcBef>
+                          <a:spcPts val="0"/>
+                        </a:spcBef>
+                        <a:spcAft>
+                          <a:spcPts val="0"/>
+                        </a:spcAft>
+                        <a:buNone/>
+                      </a:pPr>
+                      <a:r>
+                        <a:rPr lang="en" sz="700">
+                          <a:solidFill>
+                            <a:schemeClr val="dk1"/>
+                          </a:solidFill>
+                        </a:rPr>
+                        <a:t>It is recommendable for people to use AI as a conversational partner.</a:t>
+                      </a:r>
+                      <a:endParaRPr sz="700">
+                        <a:solidFill>
+                          <a:schemeClr val="dk1"/>
+                        </a:solidFill>
+                      </a:endParaRPr>
+                    </a:p>
+                  </a:txBody>
+                  <a:tcPr marT="63500" marB="63500" marR="63500" marL="63500">
+                    <a:lnL cap="flat" cmpd="sng" w="6350">
+                      <a:solidFill>
+                        <a:srgbClr val="000000"/>
+                      </a:solidFill>
+                      <a:prstDash val="solid"/>
+                      <a:round/>
+                      <a:headEnd len="sm" w="sm" type="none"/>
+                      <a:tailEnd len="sm" w="sm" type="none"/>
+                    </a:lnL>
+                    <a:lnR cap="flat" cmpd="sng" w="6350">
+                      <a:solidFill>
+                        <a:srgbClr val="000000"/>
+                      </a:solidFill>
+                      <a:prstDash val="solid"/>
+                      <a:round/>
+                      <a:headEnd len="sm" w="sm" type="none"/>
+                      <a:tailEnd len="sm" w="sm" type="none"/>
+                    </a:lnR>
+                    <a:lnT cap="flat" cmpd="sng" w="6350">
+                      <a:solidFill>
+                        <a:srgbClr val="000000"/>
+                      </a:solidFill>
+                      <a:prstDash val="solid"/>
+                      <a:round/>
+                      <a:headEnd len="sm" w="sm" type="none"/>
+                      <a:tailEnd len="sm" w="sm" type="none"/>
+                    </a:lnT>
+                    <a:lnB cap="flat" cmpd="sng" w="6350">
+                      <a:solidFill>
+                        <a:srgbClr val="000000"/>
+                      </a:solidFill>
+                      <a:prstDash val="solid"/>
+                      <a:round/>
+                      <a:headEnd len="sm" w="sm" type="none"/>
+                      <a:tailEnd len="sm" w="sm" type="none"/>
+                    </a:lnB>
+                  </a:tcPr>
+                </a:tc>
+                <a:tc>
+                  <a:txBody>
+                    <a:bodyPr/>
+                    <a:lstStyle/>
+                    <a:p>
+                      <a:pPr indent="0" lvl="0" marL="0" rtl="0" algn="l">
+                        <a:spcBef>
+                          <a:spcPts val="0"/>
+                        </a:spcBef>
+                        <a:spcAft>
+                          <a:spcPts val="0"/>
+                        </a:spcAft>
+                        <a:buNone/>
+                      </a:pPr>
+                      <a:r>
+                        <a:rPr lang="en" sz="700">
+                          <a:solidFill>
+                            <a:schemeClr val="dk1"/>
+                          </a:solidFill>
+                        </a:rPr>
+                        <a:t>Positive Relations with Others / Autonomy</a:t>
+                      </a:r>
+                      <a:endParaRPr sz="700">
+                        <a:solidFill>
+                          <a:schemeClr val="dk1"/>
+                        </a:solidFill>
+                      </a:endParaRPr>
+                    </a:p>
+                  </a:txBody>
+                  <a:tcPr marT="63500" marB="63500" marR="63500" marL="63500">
+                    <a:lnL cap="flat" cmpd="sng" w="6350">
+                      <a:solidFill>
+                        <a:srgbClr val="000000"/>
+                      </a:solidFill>
+                      <a:prstDash val="solid"/>
+                      <a:round/>
+                      <a:headEnd len="sm" w="sm" type="none"/>
+                      <a:tailEnd len="sm" w="sm" type="none"/>
+                    </a:lnL>
+                    <a:lnR cap="flat" cmpd="sng" w="6350">
+                      <a:solidFill>
+                        <a:srgbClr val="000000"/>
+                      </a:solidFill>
+                      <a:prstDash val="solid"/>
+                      <a:round/>
+                      <a:headEnd len="sm" w="sm" type="none"/>
+                      <a:tailEnd len="sm" w="sm" type="none"/>
+                    </a:lnR>
+                    <a:lnT cap="flat" cmpd="sng" w="6350">
+                      <a:solidFill>
+                        <a:srgbClr val="000000"/>
+                      </a:solidFill>
+                      <a:prstDash val="solid"/>
+                      <a:round/>
+                      <a:headEnd len="sm" w="sm" type="none"/>
+                      <a:tailEnd len="sm" w="sm" type="none"/>
+                    </a:lnT>
+                    <a:lnB cap="flat" cmpd="sng" w="6350">
+                      <a:solidFill>
+                        <a:srgbClr val="000000"/>
+                      </a:solidFill>
+                      <a:prstDash val="solid"/>
+                      <a:round/>
+                      <a:headEnd len="sm" w="sm" type="none"/>
+                      <a:tailEnd len="sm" w="sm" type="none"/>
+                    </a:lnB>
+                  </a:tcPr>
+                </a:tc>
+                <a:tc>
+                  <a:txBody>
+                    <a:bodyPr/>
+                    <a:lstStyle/>
+                    <a:p>
+                      <a:pPr indent="0" lvl="0" marL="0" rtl="0" algn="l">
+                        <a:spcBef>
+                          <a:spcPts val="0"/>
+                        </a:spcBef>
+                        <a:spcAft>
+                          <a:spcPts val="0"/>
+                        </a:spcAft>
+                        <a:buNone/>
+                      </a:pPr>
+                      <a:r>
+                        <a:rPr lang="en" sz="700">
+                          <a:solidFill>
+                            <a:schemeClr val="dk1"/>
+                          </a:solidFill>
+                        </a:rPr>
+                        <a:t>Reflects opinion on AI in relational contexts and the freedom to choose how it’s used.</a:t>
+                      </a:r>
+                      <a:endParaRPr sz="700">
+                        <a:solidFill>
+                          <a:schemeClr val="dk1"/>
+                        </a:solidFill>
+                      </a:endParaRPr>
+                    </a:p>
+                  </a:txBody>
+                  <a:tcPr marT="63500" marB="63500" marR="63500" marL="63500">
+                    <a:lnL cap="flat" cmpd="sng" w="6350">
+                      <a:solidFill>
+                        <a:srgbClr val="000000"/>
+                      </a:solidFill>
+                      <a:prstDash val="solid"/>
+                      <a:round/>
+                      <a:headEnd len="sm" w="sm" type="none"/>
+                      <a:tailEnd len="sm" w="sm" type="none"/>
+                    </a:lnL>
+                    <a:lnR cap="flat" cmpd="sng" w="6350">
+                      <a:solidFill>
+                        <a:srgbClr val="000000"/>
+                      </a:solidFill>
+                      <a:prstDash val="solid"/>
+                      <a:round/>
+                      <a:headEnd len="sm" w="sm" type="none"/>
+                      <a:tailEnd len="sm" w="sm" type="none"/>
+                    </a:lnR>
+                    <a:lnT cap="flat" cmpd="sng" w="6350">
+                      <a:solidFill>
+                        <a:srgbClr val="000000"/>
+                      </a:solidFill>
+                      <a:prstDash val="solid"/>
+                      <a:round/>
+                      <a:headEnd len="sm" w="sm" type="none"/>
+                      <a:tailEnd len="sm" w="sm" type="none"/>
+                    </a:lnT>
+                    <a:lnB cap="flat" cmpd="sng" w="6350">
+                      <a:solidFill>
+                        <a:srgbClr val="000000"/>
+                      </a:solidFill>
+                      <a:prstDash val="solid"/>
+                      <a:round/>
+                      <a:headEnd len="sm" w="sm" type="none"/>
+                      <a:tailEnd len="sm" w="sm" type="none"/>
+                    </a:lnB>
+                  </a:tcPr>
+                </a:tc>
+              </a:tr>
+            </a:tbl>
+          </a:graphicData>
+        </a:graphic>
+      </p:graphicFrame>
+    </p:spTree>
+  </p:cSld>
+  <p:clrMapOvr>
+    <a:masterClrMapping/>
+  </p:clrMapOvr>
+</p:sld>
+</file>
+
 <file path=ppt/slides/slide7.xml><?xml version="1.0" encoding="utf-8"?>
 <p:sld xmlns:a="http://schemas.openxmlformats.org/drawingml/2006/main" xmlns:r="http://schemas.openxmlformats.org/officeDocument/2006/relationships" xmlns:mc="http://schemas.openxmlformats.org/markup-compatibility/2006" xmlns:mv="urn:schemas-microsoft-com:mac:vml" xmlns:p="http://schemas.openxmlformats.org/presentationml/2006/main" xmlns:c="http://schemas.openxmlformats.org/drawingml/2006/chart" xmlns:dgm="http://schemas.openxmlformats.org/drawingml/2006/diagram" xmlns:o="urn:schemas-microsoft-com:office:office" xmlns:v="urn:schemas-microsoft-com:vml" xmlns:pvml="urn:schemas-microsoft-com:office:powerpoint" xmlns:com="http://schemas.openxmlformats.org/drawingml/2006/compatibility" xmlns:p14="http://schemas.microsoft.com/office/powerpoint/2010/main" xmlns:p15="http://schemas.microsoft.com/office/powerpoint/2012/main" xmlns:ahyp="http://schemas.microsoft.com/office/drawing/2018/hyperlinkcolor">
   <p:cSld>
     <p:spTree>
       <p:nvGrpSpPr>
-        <p:cNvPr id="391" name="Shape 391"/>
+        <p:cNvPr id="389" name="Shape 389"/>
         <p:cNvGrpSpPr/>
         <p:nvPr/>
       </p:nvGrpSpPr>
@@ -47361,7 +49558,7 @@
       </p:grpSpPr>
       <p:sp>
         <p:nvSpPr>
-          <p:cNvPr id="392" name="Google Shape;392;p31"/>
+          <p:cNvPr id="390" name="Google Shape;390;p31"/>
           <p:cNvSpPr txBox="1"/>
           <p:nvPr>
             <p:ph type="title"/>
@@ -47401,7 +49598,7 @@
       </p:sp>
       <p:graphicFrame>
         <p:nvGraphicFramePr>
-          <p:cNvPr id="393" name="Google Shape;393;p31"/>
+          <p:cNvPr id="391" name="Google Shape;391;p31"/>
           <p:cNvGraphicFramePr/>
           <p:nvPr/>
         </p:nvGraphicFramePr>
@@ -47414,7 +49611,7 @@
             <a:tbl>
               <a:tblPr>
                 <a:noFill/>
-                <a:tableStyleId>{AED60EA1-D0DD-46D7-B22F-C327A93116B7}</a:tableStyleId>
+                <a:tableStyleId>{06E80CD6-DAD5-4087-BFC8-D1E77FEE7982}</a:tableStyleId>
               </a:tblPr>
               <a:tblGrid>
                 <a:gridCol w="1528900"/>
@@ -48373,7 +50570,7 @@
   <p:cSld>
     <p:spTree>
       <p:nvGrpSpPr>
-        <p:cNvPr id="397" name="Shape 397"/>
+        <p:cNvPr id="395" name="Shape 395"/>
         <p:cNvGrpSpPr/>
         <p:nvPr/>
       </p:nvGrpSpPr>
@@ -48387,7 +50584,7 @@
       </p:grpSpPr>
       <p:sp>
         <p:nvSpPr>
-          <p:cNvPr id="398" name="Google Shape;398;p32"/>
+          <p:cNvPr id="396" name="Google Shape;396;p32"/>
           <p:cNvSpPr txBox="1"/>
           <p:nvPr>
             <p:ph type="title"/>
@@ -48426,7 +50623,7 @@
       </p:sp>
       <p:pic>
         <p:nvPicPr>
-          <p:cNvPr id="399" name="Google Shape;399;p32"/>
+          <p:cNvPr id="397" name="Google Shape;397;p32"/>
           <p:cNvPicPr preferRelativeResize="0"/>
           <p:nvPr/>
         </p:nvPicPr>
@@ -48465,7 +50662,7 @@
   <p:cSld>
     <p:spTree>
       <p:nvGrpSpPr>
-        <p:cNvPr id="403" name="Shape 403"/>
+        <p:cNvPr id="401" name="Shape 401"/>
         <p:cNvGrpSpPr/>
         <p:nvPr/>
       </p:nvGrpSpPr>
@@ -48479,7 +50676,7 @@
       </p:grpSpPr>
       <p:sp>
         <p:nvSpPr>
-          <p:cNvPr id="404" name="Google Shape;404;p33"/>
+          <p:cNvPr id="402" name="Google Shape;402;p33"/>
           <p:cNvSpPr txBox="1"/>
           <p:nvPr>
             <p:ph type="title"/>
@@ -48518,7 +50715,7 @@
       </p:sp>
       <p:pic>
         <p:nvPicPr>
-          <p:cNvPr id="405" name="Google Shape;405;p33"/>
+          <p:cNvPr id="403" name="Google Shape;403;p33"/>
           <p:cNvPicPr preferRelativeResize="0"/>
           <p:nvPr/>
         </p:nvPicPr>
